--- a/teoria/j3dEngine_chapter2.pptx
+++ b/teoria/j3dEngine_chapter2.pptx
@@ -4,9 +4,28 @@
   <p:sldMasterIdLst>
     <p:sldMasterId id="2147483696" r:id="rId1"/>
   </p:sldMasterIdLst>
+  <p:notesMasterIdLst>
+    <p:notesMasterId r:id="rId20"/>
+  </p:notesMasterIdLst>
   <p:sldIdLst>
     <p:sldId id="256" r:id="rId2"/>
     <p:sldId id="259" r:id="rId3"/>
+    <p:sldId id="260" r:id="rId4"/>
+    <p:sldId id="261" r:id="rId5"/>
+    <p:sldId id="262" r:id="rId6"/>
+    <p:sldId id="263" r:id="rId7"/>
+    <p:sldId id="264" r:id="rId8"/>
+    <p:sldId id="265" r:id="rId9"/>
+    <p:sldId id="266" r:id="rId10"/>
+    <p:sldId id="268" r:id="rId11"/>
+    <p:sldId id="269" r:id="rId12"/>
+    <p:sldId id="267" r:id="rId13"/>
+    <p:sldId id="270" r:id="rId14"/>
+    <p:sldId id="271" r:id="rId15"/>
+    <p:sldId id="272" r:id="rId16"/>
+    <p:sldId id="273" r:id="rId17"/>
+    <p:sldId id="274" r:id="rId18"/>
+    <p:sldId id="275" r:id="rId19"/>
   </p:sldIdLst>
   <p:sldSz cx="9144000" cy="6858000" type="screen4x3"/>
   <p:notesSz cx="6858000" cy="9144000"/>
@@ -106,6 +125,353 @@
     </a:lvl9pPr>
   </p:defaultTextStyle>
 </p:presentation>
+</file>
+
+<file path=ppt/notesMasters/notesMaster1.xml><?xml version="1.0" encoding="utf-8"?>
+<p:notesMaster xmlns:a="http://schemas.openxmlformats.org/drawingml/2006/main" xmlns:r="http://schemas.openxmlformats.org/officeDocument/2006/relationships" xmlns:p="http://schemas.openxmlformats.org/presentationml/2006/main">
+  <p:cSld>
+    <p:bg>
+      <p:bgRef idx="1001">
+        <a:schemeClr val="bg1"/>
+      </p:bgRef>
+    </p:bg>
+    <p:spTree>
+      <p:nvGrpSpPr>
+        <p:cNvPr id="1" name=""/>
+        <p:cNvGrpSpPr/>
+        <p:nvPr/>
+      </p:nvGrpSpPr>
+      <p:grpSpPr>
+        <a:xfrm>
+          <a:off x="0" y="0"/>
+          <a:ext cx="0" cy="0"/>
+          <a:chOff x="0" y="0"/>
+          <a:chExt cx="0" cy="0"/>
+        </a:xfrm>
+      </p:grpSpPr>
+      <p:sp>
+        <p:nvSpPr>
+          <p:cNvPr id="2" name="Header Placeholder 1"/>
+          <p:cNvSpPr>
+            <a:spLocks noGrp="1"/>
+          </p:cNvSpPr>
+          <p:nvPr>
+            <p:ph type="hdr" sz="quarter"/>
+          </p:nvPr>
+        </p:nvSpPr>
+        <p:spPr>
+          <a:xfrm>
+            <a:off x="0" y="0"/>
+            <a:ext cx="2971800" cy="457200"/>
+          </a:xfrm>
+          <a:prstGeom prst="rect">
+            <a:avLst/>
+          </a:prstGeom>
+        </p:spPr>
+        <p:txBody>
+          <a:bodyPr vert="horz" lIns="91440" tIns="45720" rIns="91440" bIns="45720" rtlCol="0"/>
+          <a:lstStyle>
+            <a:lvl1pPr algn="l">
+              <a:defRPr sz="1200"/>
+            </a:lvl1pPr>
+          </a:lstStyle>
+          <a:p>
+            <a:endParaRPr lang="en-US"/>
+          </a:p>
+        </p:txBody>
+      </p:sp>
+      <p:sp>
+        <p:nvSpPr>
+          <p:cNvPr id="3" name="Date Placeholder 2"/>
+          <p:cNvSpPr>
+            <a:spLocks noGrp="1"/>
+          </p:cNvSpPr>
+          <p:nvPr>
+            <p:ph type="dt" idx="1"/>
+          </p:nvPr>
+        </p:nvSpPr>
+        <p:spPr>
+          <a:xfrm>
+            <a:off x="3884613" y="0"/>
+            <a:ext cx="2971800" cy="457200"/>
+          </a:xfrm>
+          <a:prstGeom prst="rect">
+            <a:avLst/>
+          </a:prstGeom>
+        </p:spPr>
+        <p:txBody>
+          <a:bodyPr vert="horz" lIns="91440" tIns="45720" rIns="91440" bIns="45720" rtlCol="0"/>
+          <a:lstStyle>
+            <a:lvl1pPr algn="r">
+              <a:defRPr sz="1200"/>
+            </a:lvl1pPr>
+          </a:lstStyle>
+          <a:p>
+            <a:fld id="{016812C2-A8AF-4744-8062-0CC3280E3ED1}" type="datetimeFigureOut">
+              <a:rPr lang="en-US" smtClean="0"/>
+              <a:t>3/27/2007</a:t>
+            </a:fld>
+            <a:endParaRPr lang="en-US"/>
+          </a:p>
+        </p:txBody>
+      </p:sp>
+      <p:sp>
+        <p:nvSpPr>
+          <p:cNvPr id="4" name="Slide Image Placeholder 3"/>
+          <p:cNvSpPr>
+            <a:spLocks noGrp="1" noRot="1" noChangeAspect="1"/>
+          </p:cNvSpPr>
+          <p:nvPr>
+            <p:ph type="sldImg" idx="2"/>
+          </p:nvPr>
+        </p:nvSpPr>
+        <p:spPr>
+          <a:xfrm>
+            <a:off x="1143000" y="685800"/>
+            <a:ext cx="4572000" cy="3429000"/>
+          </a:xfrm>
+          <a:prstGeom prst="rect">
+            <a:avLst/>
+          </a:prstGeom>
+          <a:noFill/>
+          <a:ln w="12700">
+            <a:solidFill>
+              <a:prstClr val="black"/>
+            </a:solidFill>
+          </a:ln>
+        </p:spPr>
+        <p:txBody>
+          <a:bodyPr vert="horz" lIns="91440" tIns="45720" rIns="91440" bIns="45720" rtlCol="0" anchor="ctr"/>
+          <a:lstStyle/>
+          <a:p>
+            <a:endParaRPr lang="en-US"/>
+          </a:p>
+        </p:txBody>
+      </p:sp>
+      <p:sp>
+        <p:nvSpPr>
+          <p:cNvPr id="5" name="Notes Placeholder 4"/>
+          <p:cNvSpPr>
+            <a:spLocks noGrp="1"/>
+          </p:cNvSpPr>
+          <p:nvPr>
+            <p:ph type="body" sz="quarter" idx="3"/>
+          </p:nvPr>
+        </p:nvSpPr>
+        <p:spPr>
+          <a:xfrm>
+            <a:off x="685800" y="4343400"/>
+            <a:ext cx="5486400" cy="4114800"/>
+          </a:xfrm>
+          <a:prstGeom prst="rect">
+            <a:avLst/>
+          </a:prstGeom>
+        </p:spPr>
+        <p:txBody>
+          <a:bodyPr vert="horz" lIns="91440" tIns="45720" rIns="91440" bIns="45720" rtlCol="0">
+            <a:normAutofit/>
+          </a:bodyPr>
+          <a:lstStyle/>
+          <a:p>
+            <a:pPr lvl="0"/>
+            <a:r>
+              <a:rPr lang="en-US" smtClean="0"/>
+              <a:t>Click to edit Master text styles</a:t>
+            </a:r>
+          </a:p>
+          <a:p>
+            <a:pPr lvl="1"/>
+            <a:r>
+              <a:rPr lang="en-US" smtClean="0"/>
+              <a:t>Second level</a:t>
+            </a:r>
+          </a:p>
+          <a:p>
+            <a:pPr lvl="2"/>
+            <a:r>
+              <a:rPr lang="en-US" smtClean="0"/>
+              <a:t>Third level</a:t>
+            </a:r>
+          </a:p>
+          <a:p>
+            <a:pPr lvl="3"/>
+            <a:r>
+              <a:rPr lang="en-US" smtClean="0"/>
+              <a:t>Fourth level</a:t>
+            </a:r>
+          </a:p>
+          <a:p>
+            <a:pPr lvl="4"/>
+            <a:r>
+              <a:rPr lang="en-US" smtClean="0"/>
+              <a:t>Fifth level</a:t>
+            </a:r>
+            <a:endParaRPr lang="en-US"/>
+          </a:p>
+        </p:txBody>
+      </p:sp>
+      <p:sp>
+        <p:nvSpPr>
+          <p:cNvPr id="6" name="Footer Placeholder 5"/>
+          <p:cNvSpPr>
+            <a:spLocks noGrp="1"/>
+          </p:cNvSpPr>
+          <p:nvPr>
+            <p:ph type="ftr" sz="quarter" idx="4"/>
+          </p:nvPr>
+        </p:nvSpPr>
+        <p:spPr>
+          <a:xfrm>
+            <a:off x="0" y="8685213"/>
+            <a:ext cx="2971800" cy="457200"/>
+          </a:xfrm>
+          <a:prstGeom prst="rect">
+            <a:avLst/>
+          </a:prstGeom>
+        </p:spPr>
+        <p:txBody>
+          <a:bodyPr vert="horz" lIns="91440" tIns="45720" rIns="91440" bIns="45720" rtlCol="0" anchor="b"/>
+          <a:lstStyle>
+            <a:lvl1pPr algn="l">
+              <a:defRPr sz="1200"/>
+            </a:lvl1pPr>
+          </a:lstStyle>
+          <a:p>
+            <a:endParaRPr lang="en-US"/>
+          </a:p>
+        </p:txBody>
+      </p:sp>
+      <p:sp>
+        <p:nvSpPr>
+          <p:cNvPr id="7" name="Slide Number Placeholder 6"/>
+          <p:cNvSpPr>
+            <a:spLocks noGrp="1"/>
+          </p:cNvSpPr>
+          <p:nvPr>
+            <p:ph type="sldNum" sz="quarter" idx="5"/>
+          </p:nvPr>
+        </p:nvSpPr>
+        <p:spPr>
+          <a:xfrm>
+            <a:off x="3884613" y="8685213"/>
+            <a:ext cx="2971800" cy="457200"/>
+          </a:xfrm>
+          <a:prstGeom prst="rect">
+            <a:avLst/>
+          </a:prstGeom>
+        </p:spPr>
+        <p:txBody>
+          <a:bodyPr vert="horz" lIns="91440" tIns="45720" rIns="91440" bIns="45720" rtlCol="0" anchor="b"/>
+          <a:lstStyle>
+            <a:lvl1pPr algn="r">
+              <a:defRPr sz="1200"/>
+            </a:lvl1pPr>
+          </a:lstStyle>
+          <a:p>
+            <a:fld id="{D63B32DD-A893-4EA8-98D8-80D8D2C857A6}" type="slidenum">
+              <a:rPr lang="en-US" smtClean="0"/>
+              <a:t>‹#›</a:t>
+            </a:fld>
+            <a:endParaRPr lang="en-US"/>
+          </a:p>
+        </p:txBody>
+      </p:sp>
+    </p:spTree>
+  </p:cSld>
+  <p:clrMap bg1="lt1" tx1="dk1" bg2="lt2" tx2="dk2" accent1="accent1" accent2="accent2" accent3="accent3" accent4="accent4" accent5="accent5" accent6="accent6" hlink="hlink" folHlink="folHlink"/>
+  <p:notesStyle>
+    <a:lvl1pPr marL="0" algn="l" defTabSz="914400" rtl="0" eaLnBrk="1" latinLnBrk="0" hangingPunct="1">
+      <a:defRPr sz="1200" kern="1200">
+        <a:solidFill>
+          <a:schemeClr val="tx1"/>
+        </a:solidFill>
+        <a:latin typeface="+mn-lt"/>
+        <a:ea typeface="+mn-ea"/>
+        <a:cs typeface="+mn-cs"/>
+      </a:defRPr>
+    </a:lvl1pPr>
+    <a:lvl2pPr marL="457200" algn="l" defTabSz="914400" rtl="0" eaLnBrk="1" latinLnBrk="0" hangingPunct="1">
+      <a:defRPr sz="1200" kern="1200">
+        <a:solidFill>
+          <a:schemeClr val="tx1"/>
+        </a:solidFill>
+        <a:latin typeface="+mn-lt"/>
+        <a:ea typeface="+mn-ea"/>
+        <a:cs typeface="+mn-cs"/>
+      </a:defRPr>
+    </a:lvl2pPr>
+    <a:lvl3pPr marL="914400" algn="l" defTabSz="914400" rtl="0" eaLnBrk="1" latinLnBrk="0" hangingPunct="1">
+      <a:defRPr sz="1200" kern="1200">
+        <a:solidFill>
+          <a:schemeClr val="tx1"/>
+        </a:solidFill>
+        <a:latin typeface="+mn-lt"/>
+        <a:ea typeface="+mn-ea"/>
+        <a:cs typeface="+mn-cs"/>
+      </a:defRPr>
+    </a:lvl3pPr>
+    <a:lvl4pPr marL="1371600" algn="l" defTabSz="914400" rtl="0" eaLnBrk="1" latinLnBrk="0" hangingPunct="1">
+      <a:defRPr sz="1200" kern="1200">
+        <a:solidFill>
+          <a:schemeClr val="tx1"/>
+        </a:solidFill>
+        <a:latin typeface="+mn-lt"/>
+        <a:ea typeface="+mn-ea"/>
+        <a:cs typeface="+mn-cs"/>
+      </a:defRPr>
+    </a:lvl4pPr>
+    <a:lvl5pPr marL="1828800" algn="l" defTabSz="914400" rtl="0" eaLnBrk="1" latinLnBrk="0" hangingPunct="1">
+      <a:defRPr sz="1200" kern="1200">
+        <a:solidFill>
+          <a:schemeClr val="tx1"/>
+        </a:solidFill>
+        <a:latin typeface="+mn-lt"/>
+        <a:ea typeface="+mn-ea"/>
+        <a:cs typeface="+mn-cs"/>
+      </a:defRPr>
+    </a:lvl5pPr>
+    <a:lvl6pPr marL="2286000" algn="l" defTabSz="914400" rtl="0" eaLnBrk="1" latinLnBrk="0" hangingPunct="1">
+      <a:defRPr sz="1200" kern="1200">
+        <a:solidFill>
+          <a:schemeClr val="tx1"/>
+        </a:solidFill>
+        <a:latin typeface="+mn-lt"/>
+        <a:ea typeface="+mn-ea"/>
+        <a:cs typeface="+mn-cs"/>
+      </a:defRPr>
+    </a:lvl6pPr>
+    <a:lvl7pPr marL="2743200" algn="l" defTabSz="914400" rtl="0" eaLnBrk="1" latinLnBrk="0" hangingPunct="1">
+      <a:defRPr sz="1200" kern="1200">
+        <a:solidFill>
+          <a:schemeClr val="tx1"/>
+        </a:solidFill>
+        <a:latin typeface="+mn-lt"/>
+        <a:ea typeface="+mn-ea"/>
+        <a:cs typeface="+mn-cs"/>
+      </a:defRPr>
+    </a:lvl7pPr>
+    <a:lvl8pPr marL="3200400" algn="l" defTabSz="914400" rtl="0" eaLnBrk="1" latinLnBrk="0" hangingPunct="1">
+      <a:defRPr sz="1200" kern="1200">
+        <a:solidFill>
+          <a:schemeClr val="tx1"/>
+        </a:solidFill>
+        <a:latin typeface="+mn-lt"/>
+        <a:ea typeface="+mn-ea"/>
+        <a:cs typeface="+mn-cs"/>
+      </a:defRPr>
+    </a:lvl8pPr>
+    <a:lvl9pPr marL="3657600" algn="l" defTabSz="914400" rtl="0" eaLnBrk="1" latinLnBrk="0" hangingPunct="1">
+      <a:defRPr sz="1200" kern="1200">
+        <a:solidFill>
+          <a:schemeClr val="tx1"/>
+        </a:solidFill>
+        <a:latin typeface="+mn-lt"/>
+        <a:ea typeface="+mn-ea"/>
+        <a:cs typeface="+mn-cs"/>
+      </a:defRPr>
+    </a:lvl9pPr>
+  </p:notesStyle>
+</p:notesMaster>
 </file>
 
 <file path=ppt/slideLayouts/slideLayout1.xml><?xml version="1.0" encoding="utf-8"?>
@@ -4016,6 +4382,1607 @@
 </p:sld>
 </file>
 
+<file path=ppt/slides/slide10.xml><?xml version="1.0" encoding="utf-8"?>
+<p:sld xmlns:a="http://schemas.openxmlformats.org/drawingml/2006/main" xmlns:r="http://schemas.openxmlformats.org/officeDocument/2006/relationships" xmlns:p="http://schemas.openxmlformats.org/presentationml/2006/main">
+  <p:cSld>
+    <p:spTree>
+      <p:nvGrpSpPr>
+        <p:cNvPr id="1" name=""/>
+        <p:cNvGrpSpPr/>
+        <p:nvPr/>
+      </p:nvGrpSpPr>
+      <p:grpSpPr>
+        <a:xfrm>
+          <a:off x="0" y="0"/>
+          <a:ext cx="0" cy="0"/>
+          <a:chOff x="0" y="0"/>
+          <a:chExt cx="0" cy="0"/>
+        </a:xfrm>
+      </p:grpSpPr>
+      <p:sp>
+        <p:nvSpPr>
+          <p:cNvPr id="2" name="Title 1"/>
+          <p:cNvSpPr>
+            <a:spLocks noGrp="1"/>
+          </p:cNvSpPr>
+          <p:nvPr>
+            <p:ph type="title"/>
+          </p:nvPr>
+        </p:nvSpPr>
+        <p:spPr/>
+        <p:txBody>
+          <a:bodyPr/>
+          <a:lstStyle/>
+          <a:p>
+            <a:r>
+              <a:rPr lang="es-AR" dirty="0" smtClean="0"/>
+              <a:t>Proyecciones</a:t>
+            </a:r>
+            <a:endParaRPr lang="en-US" dirty="0"/>
+          </a:p>
+        </p:txBody>
+      </p:sp>
+      <p:sp>
+        <p:nvSpPr>
+          <p:cNvPr id="3" name="Content Placeholder 2"/>
+          <p:cNvSpPr>
+            <a:spLocks noGrp="1"/>
+          </p:cNvSpPr>
+          <p:nvPr>
+            <p:ph idx="1"/>
+          </p:nvPr>
+        </p:nvSpPr>
+        <p:spPr/>
+        <p:txBody>
+          <a:bodyPr/>
+          <a:lstStyle/>
+          <a:p>
+            <a:r>
+              <a:rPr lang="es-AR" dirty="0" smtClean="0"/>
+              <a:t>Proyección ortogonal o paralela</a:t>
+            </a:r>
+            <a:endParaRPr lang="en-US" dirty="0"/>
+          </a:p>
+        </p:txBody>
+      </p:sp>
+      <p:pic>
+        <p:nvPicPr>
+          <p:cNvPr id="9218" name="Picture 2"/>
+          <p:cNvPicPr>
+            <a:picLocks noChangeAspect="1" noChangeArrowheads="1"/>
+          </p:cNvPicPr>
+          <p:nvPr/>
+        </p:nvPicPr>
+        <p:blipFill>
+          <a:blip r:embed="rId2"/>
+          <a:srcRect/>
+          <a:stretch>
+            <a:fillRect/>
+          </a:stretch>
+        </p:blipFill>
+        <p:spPr bwMode="auto">
+          <a:xfrm>
+            <a:off x="1643042" y="2571744"/>
+            <a:ext cx="5600700" cy="3629025"/>
+          </a:xfrm>
+          <a:prstGeom prst="rect">
+            <a:avLst/>
+          </a:prstGeom>
+          <a:noFill/>
+          <a:ln w="9525">
+            <a:noFill/>
+            <a:miter lim="800000"/>
+            <a:headEnd/>
+            <a:tailEnd/>
+          </a:ln>
+          <a:effectLst/>
+        </p:spPr>
+      </p:pic>
+    </p:spTree>
+  </p:cSld>
+  <p:clrMapOvr>
+    <a:masterClrMapping/>
+  </p:clrMapOvr>
+  <p:timing>
+    <p:tnLst>
+      <p:par>
+        <p:cTn id="1" dur="indefinite" restart="never" nodeType="tmRoot"/>
+      </p:par>
+    </p:tnLst>
+  </p:timing>
+</p:sld>
+</file>
+
+<file path=ppt/slides/slide11.xml><?xml version="1.0" encoding="utf-8"?>
+<p:sld xmlns:a="http://schemas.openxmlformats.org/drawingml/2006/main" xmlns:r="http://schemas.openxmlformats.org/officeDocument/2006/relationships" xmlns:p="http://schemas.openxmlformats.org/presentationml/2006/main">
+  <p:cSld>
+    <p:spTree>
+      <p:nvGrpSpPr>
+        <p:cNvPr id="1" name=""/>
+        <p:cNvGrpSpPr/>
+        <p:nvPr/>
+      </p:nvGrpSpPr>
+      <p:grpSpPr>
+        <a:xfrm>
+          <a:off x="0" y="0"/>
+          <a:ext cx="0" cy="0"/>
+          <a:chOff x="0" y="0"/>
+          <a:chExt cx="0" cy="0"/>
+        </a:xfrm>
+      </p:grpSpPr>
+      <p:sp>
+        <p:nvSpPr>
+          <p:cNvPr id="2" name="Title 1"/>
+          <p:cNvSpPr>
+            <a:spLocks noGrp="1"/>
+          </p:cNvSpPr>
+          <p:nvPr>
+            <p:ph type="title"/>
+          </p:nvPr>
+        </p:nvSpPr>
+        <p:spPr/>
+        <p:txBody>
+          <a:bodyPr/>
+          <a:lstStyle/>
+          <a:p>
+            <a:r>
+              <a:rPr lang="es-AR" dirty="0" smtClean="0"/>
+              <a:t>Proyecciones</a:t>
+            </a:r>
+            <a:endParaRPr lang="en-US" dirty="0"/>
+          </a:p>
+        </p:txBody>
+      </p:sp>
+      <p:sp>
+        <p:nvSpPr>
+          <p:cNvPr id="3" name="Content Placeholder 2"/>
+          <p:cNvSpPr>
+            <a:spLocks noGrp="1"/>
+          </p:cNvSpPr>
+          <p:nvPr>
+            <p:ph idx="1"/>
+          </p:nvPr>
+        </p:nvSpPr>
+        <p:spPr/>
+        <p:txBody>
+          <a:bodyPr/>
+          <a:lstStyle/>
+          <a:p>
+            <a:r>
+              <a:rPr lang="es-AR" dirty="0" smtClean="0"/>
+              <a:t>Proyección en perspectiva</a:t>
+            </a:r>
+            <a:endParaRPr lang="en-US" dirty="0"/>
+          </a:p>
+        </p:txBody>
+      </p:sp>
+      <p:pic>
+        <p:nvPicPr>
+          <p:cNvPr id="10242" name="Picture 2"/>
+          <p:cNvPicPr>
+            <a:picLocks noChangeAspect="1" noChangeArrowheads="1"/>
+          </p:cNvPicPr>
+          <p:nvPr/>
+        </p:nvPicPr>
+        <p:blipFill>
+          <a:blip r:embed="rId2"/>
+          <a:srcRect/>
+          <a:stretch>
+            <a:fillRect/>
+          </a:stretch>
+        </p:blipFill>
+        <p:spPr bwMode="auto">
+          <a:xfrm>
+            <a:off x="1643042" y="2571744"/>
+            <a:ext cx="5929354" cy="3881422"/>
+          </a:xfrm>
+          <a:prstGeom prst="rect">
+            <a:avLst/>
+          </a:prstGeom>
+          <a:noFill/>
+          <a:ln w="9525">
+            <a:noFill/>
+            <a:miter lim="800000"/>
+            <a:headEnd/>
+            <a:tailEnd/>
+          </a:ln>
+          <a:effectLst/>
+        </p:spPr>
+      </p:pic>
+    </p:spTree>
+  </p:cSld>
+  <p:clrMapOvr>
+    <a:masterClrMapping/>
+  </p:clrMapOvr>
+  <p:timing>
+    <p:tnLst>
+      <p:par>
+        <p:cTn id="1" dur="indefinite" restart="never" nodeType="tmRoot"/>
+      </p:par>
+    </p:tnLst>
+  </p:timing>
+</p:sld>
+</file>
+
+<file path=ppt/slides/slide12.xml><?xml version="1.0" encoding="utf-8"?>
+<p:sld xmlns:a="http://schemas.openxmlformats.org/drawingml/2006/main" xmlns:r="http://schemas.openxmlformats.org/officeDocument/2006/relationships" xmlns:p="http://schemas.openxmlformats.org/presentationml/2006/main">
+  <p:cSld>
+    <p:spTree>
+      <p:nvGrpSpPr>
+        <p:cNvPr id="1" name=""/>
+        <p:cNvGrpSpPr/>
+        <p:nvPr/>
+      </p:nvGrpSpPr>
+      <p:grpSpPr>
+        <a:xfrm>
+          <a:off x="0" y="0"/>
+          <a:ext cx="0" cy="0"/>
+          <a:chOff x="0" y="0"/>
+          <a:chExt cx="0" cy="0"/>
+        </a:xfrm>
+      </p:grpSpPr>
+      <p:sp>
+        <p:nvSpPr>
+          <p:cNvPr id="2" name="Title 1"/>
+          <p:cNvSpPr>
+            <a:spLocks noGrp="1"/>
+          </p:cNvSpPr>
+          <p:nvPr>
+            <p:ph type="title"/>
+          </p:nvPr>
+        </p:nvSpPr>
+        <p:spPr/>
+        <p:txBody>
+          <a:bodyPr/>
+          <a:lstStyle/>
+          <a:p>
+            <a:r>
+              <a:rPr lang="es-AR" dirty="0" smtClean="0"/>
+              <a:t>Pipeline Gráfico</a:t>
+            </a:r>
+            <a:endParaRPr lang="en-US" dirty="0"/>
+          </a:p>
+        </p:txBody>
+      </p:sp>
+      <p:sp>
+        <p:nvSpPr>
+          <p:cNvPr id="4" name="Rounded Rectangle 3"/>
+          <p:cNvSpPr/>
+          <p:nvPr/>
+        </p:nvSpPr>
+        <p:spPr>
+          <a:xfrm>
+            <a:off x="3286116" y="2643182"/>
+            <a:ext cx="5072098" cy="2571768"/>
+          </a:xfrm>
+          <a:prstGeom prst="roundRect">
+            <a:avLst/>
+          </a:prstGeom>
+        </p:spPr>
+        <p:style>
+          <a:lnRef idx="2">
+            <a:schemeClr val="accent1">
+              <a:shade val="50000"/>
+            </a:schemeClr>
+          </a:lnRef>
+          <a:fillRef idx="1">
+            <a:schemeClr val="accent1"/>
+          </a:fillRef>
+          <a:effectRef idx="0">
+            <a:schemeClr val="accent1"/>
+          </a:effectRef>
+          <a:fontRef idx="minor">
+            <a:schemeClr val="lt1"/>
+          </a:fontRef>
+        </p:style>
+        <p:txBody>
+          <a:bodyPr rtlCol="0" anchor="ctr"/>
+          <a:lstStyle/>
+          <a:p>
+            <a:endParaRPr lang="es-AR" dirty="0" smtClean="0"/>
+          </a:p>
+        </p:txBody>
+      </p:sp>
+      <p:sp>
+        <p:nvSpPr>
+          <p:cNvPr id="7" name="Rectangle 6"/>
+          <p:cNvSpPr/>
+          <p:nvPr/>
+        </p:nvSpPr>
+        <p:spPr>
+          <a:xfrm>
+            <a:off x="714348" y="3429000"/>
+            <a:ext cx="1857388" cy="1285884"/>
+          </a:xfrm>
+          <a:prstGeom prst="rect">
+            <a:avLst/>
+          </a:prstGeom>
+          <a:solidFill>
+            <a:schemeClr val="accent2">
+              <a:lumMod val="60000"/>
+              <a:lumOff val="40000"/>
+            </a:schemeClr>
+          </a:solidFill>
+          <a:ln>
+            <a:solidFill>
+              <a:schemeClr val="accent2">
+                <a:lumMod val="75000"/>
+              </a:schemeClr>
+            </a:solidFill>
+          </a:ln>
+        </p:spPr>
+        <p:style>
+          <a:lnRef idx="2">
+            <a:schemeClr val="accent1">
+              <a:shade val="50000"/>
+            </a:schemeClr>
+          </a:lnRef>
+          <a:fillRef idx="1">
+            <a:schemeClr val="accent1"/>
+          </a:fillRef>
+          <a:effectRef idx="0">
+            <a:schemeClr val="accent1"/>
+          </a:effectRef>
+          <a:fontRef idx="minor">
+            <a:schemeClr val="lt1"/>
+          </a:fontRef>
+        </p:style>
+        <p:txBody>
+          <a:bodyPr rtlCol="0" anchor="ctr"/>
+          <a:lstStyle/>
+          <a:p>
+            <a:pPr algn="ctr"/>
+            <a:r>
+              <a:rPr lang="es-AR" b="1" dirty="0" smtClean="0">
+                <a:solidFill>
+                  <a:schemeClr val="tx1"/>
+                </a:solidFill>
+              </a:rPr>
+              <a:t>Lógica de Aplicación</a:t>
+            </a:r>
+            <a:endParaRPr lang="en-US" b="1" dirty="0">
+              <a:solidFill>
+                <a:schemeClr val="tx1"/>
+              </a:solidFill>
+            </a:endParaRPr>
+          </a:p>
+        </p:txBody>
+      </p:sp>
+      <p:sp>
+        <p:nvSpPr>
+          <p:cNvPr id="11" name="Rectangle 10"/>
+          <p:cNvSpPr/>
+          <p:nvPr/>
+        </p:nvSpPr>
+        <p:spPr>
+          <a:xfrm>
+            <a:off x="3643306" y="3571876"/>
+            <a:ext cx="1857388" cy="928694"/>
+          </a:xfrm>
+          <a:prstGeom prst="rect">
+            <a:avLst/>
+          </a:prstGeom>
+          <a:solidFill>
+            <a:schemeClr val="accent2">
+              <a:lumMod val="60000"/>
+              <a:lumOff val="40000"/>
+            </a:schemeClr>
+          </a:solidFill>
+          <a:ln>
+            <a:solidFill>
+              <a:schemeClr val="accent2">
+                <a:lumMod val="75000"/>
+              </a:schemeClr>
+            </a:solidFill>
+          </a:ln>
+        </p:spPr>
+        <p:style>
+          <a:lnRef idx="2">
+            <a:schemeClr val="accent1">
+              <a:shade val="50000"/>
+            </a:schemeClr>
+          </a:lnRef>
+          <a:fillRef idx="1">
+            <a:schemeClr val="accent1"/>
+          </a:fillRef>
+          <a:effectRef idx="0">
+            <a:schemeClr val="accent1"/>
+          </a:effectRef>
+          <a:fontRef idx="minor">
+            <a:schemeClr val="lt1"/>
+          </a:fontRef>
+        </p:style>
+        <p:txBody>
+          <a:bodyPr rtlCol="0" anchor="ctr"/>
+          <a:lstStyle/>
+          <a:p>
+            <a:pPr algn="ctr"/>
+            <a:r>
+              <a:rPr lang="es-AR" b="1" dirty="0" smtClean="0">
+                <a:solidFill>
+                  <a:schemeClr val="tx1"/>
+                </a:solidFill>
+              </a:rPr>
+              <a:t>Geometría</a:t>
+            </a:r>
+            <a:endParaRPr lang="en-US" b="1" dirty="0">
+              <a:solidFill>
+                <a:schemeClr val="tx1"/>
+              </a:solidFill>
+            </a:endParaRPr>
+          </a:p>
+        </p:txBody>
+      </p:sp>
+      <p:sp>
+        <p:nvSpPr>
+          <p:cNvPr id="12" name="Rectangle 11"/>
+          <p:cNvSpPr/>
+          <p:nvPr/>
+        </p:nvSpPr>
+        <p:spPr>
+          <a:xfrm>
+            <a:off x="6072198" y="3571876"/>
+            <a:ext cx="1857388" cy="928694"/>
+          </a:xfrm>
+          <a:prstGeom prst="rect">
+            <a:avLst/>
+          </a:prstGeom>
+          <a:solidFill>
+            <a:schemeClr val="accent2">
+              <a:lumMod val="60000"/>
+              <a:lumOff val="40000"/>
+            </a:schemeClr>
+          </a:solidFill>
+          <a:ln>
+            <a:solidFill>
+              <a:schemeClr val="accent2">
+                <a:lumMod val="75000"/>
+              </a:schemeClr>
+            </a:solidFill>
+          </a:ln>
+        </p:spPr>
+        <p:style>
+          <a:lnRef idx="2">
+            <a:schemeClr val="accent1">
+              <a:shade val="50000"/>
+            </a:schemeClr>
+          </a:lnRef>
+          <a:fillRef idx="1">
+            <a:schemeClr val="accent1"/>
+          </a:fillRef>
+          <a:effectRef idx="0">
+            <a:schemeClr val="accent1"/>
+          </a:effectRef>
+          <a:fontRef idx="minor">
+            <a:schemeClr val="lt1"/>
+          </a:fontRef>
+        </p:style>
+        <p:txBody>
+          <a:bodyPr rtlCol="0" anchor="ctr"/>
+          <a:lstStyle/>
+          <a:p>
+            <a:pPr algn="ctr"/>
+            <a:r>
+              <a:rPr lang="es-AR" b="1" dirty="0" err="1" smtClean="0">
+                <a:solidFill>
+                  <a:schemeClr val="tx1"/>
+                </a:solidFill>
+              </a:rPr>
+              <a:t>Rastering</a:t>
+            </a:r>
+            <a:endParaRPr lang="en-US" b="1" dirty="0">
+              <a:solidFill>
+                <a:schemeClr val="tx1"/>
+              </a:solidFill>
+            </a:endParaRPr>
+          </a:p>
+        </p:txBody>
+      </p:sp>
+      <p:sp>
+        <p:nvSpPr>
+          <p:cNvPr id="13" name="TextBox 12"/>
+          <p:cNvSpPr txBox="1"/>
+          <p:nvPr/>
+        </p:nvSpPr>
+        <p:spPr>
+          <a:xfrm>
+            <a:off x="3643306" y="2143116"/>
+            <a:ext cx="1555619" cy="461665"/>
+          </a:xfrm>
+          <a:prstGeom prst="rect">
+            <a:avLst/>
+          </a:prstGeom>
+          <a:noFill/>
+        </p:spPr>
+        <p:txBody>
+          <a:bodyPr wrap="none" rtlCol="0">
+            <a:spAutoFit/>
+          </a:bodyPr>
+          <a:lstStyle/>
+          <a:p>
+            <a:r>
+              <a:rPr lang="es-AR" sz="2400" b="1" dirty="0" err="1" smtClean="0"/>
+              <a:t>Rendering</a:t>
+            </a:r>
+            <a:endParaRPr lang="en-US" sz="2400" b="1" dirty="0"/>
+          </a:p>
+        </p:txBody>
+      </p:sp>
+      <p:sp>
+        <p:nvSpPr>
+          <p:cNvPr id="14" name="Right Arrow 13"/>
+          <p:cNvSpPr/>
+          <p:nvPr/>
+        </p:nvSpPr>
+        <p:spPr>
+          <a:xfrm>
+            <a:off x="2714612" y="3643314"/>
+            <a:ext cx="428628" cy="785818"/>
+          </a:xfrm>
+          <a:prstGeom prst="rightArrow">
+            <a:avLst/>
+          </a:prstGeom>
+        </p:spPr>
+        <p:style>
+          <a:lnRef idx="2">
+            <a:schemeClr val="accent6"/>
+          </a:lnRef>
+          <a:fillRef idx="1">
+            <a:schemeClr val="lt1"/>
+          </a:fillRef>
+          <a:effectRef idx="0">
+            <a:schemeClr val="accent6"/>
+          </a:effectRef>
+          <a:fontRef idx="minor">
+            <a:schemeClr val="dk1"/>
+          </a:fontRef>
+        </p:style>
+        <p:txBody>
+          <a:bodyPr rtlCol="0" anchor="ctr"/>
+          <a:lstStyle/>
+          <a:p>
+            <a:pPr algn="ctr"/>
+            <a:endParaRPr lang="en-US"/>
+          </a:p>
+        </p:txBody>
+      </p:sp>
+      <p:sp>
+        <p:nvSpPr>
+          <p:cNvPr id="16" name="Right Arrow 15"/>
+          <p:cNvSpPr/>
+          <p:nvPr/>
+        </p:nvSpPr>
+        <p:spPr>
+          <a:xfrm>
+            <a:off x="142844" y="3714752"/>
+            <a:ext cx="428628" cy="785818"/>
+          </a:xfrm>
+          <a:prstGeom prst="rightArrow">
+            <a:avLst/>
+          </a:prstGeom>
+        </p:spPr>
+        <p:style>
+          <a:lnRef idx="2">
+            <a:schemeClr val="accent6"/>
+          </a:lnRef>
+          <a:fillRef idx="1">
+            <a:schemeClr val="lt1"/>
+          </a:fillRef>
+          <a:effectRef idx="0">
+            <a:schemeClr val="accent6"/>
+          </a:effectRef>
+          <a:fontRef idx="minor">
+            <a:schemeClr val="dk1"/>
+          </a:fontRef>
+        </p:style>
+        <p:txBody>
+          <a:bodyPr rtlCol="0" anchor="ctr"/>
+          <a:lstStyle/>
+          <a:p>
+            <a:pPr algn="ctr"/>
+            <a:endParaRPr lang="en-US"/>
+          </a:p>
+        </p:txBody>
+      </p:sp>
+      <p:sp>
+        <p:nvSpPr>
+          <p:cNvPr id="17" name="Right Arrow 16"/>
+          <p:cNvSpPr/>
+          <p:nvPr/>
+        </p:nvSpPr>
+        <p:spPr>
+          <a:xfrm>
+            <a:off x="8501090" y="3571876"/>
+            <a:ext cx="428628" cy="785818"/>
+          </a:xfrm>
+          <a:prstGeom prst="rightArrow">
+            <a:avLst/>
+          </a:prstGeom>
+        </p:spPr>
+        <p:style>
+          <a:lnRef idx="2">
+            <a:schemeClr val="accent6"/>
+          </a:lnRef>
+          <a:fillRef idx="1">
+            <a:schemeClr val="lt1"/>
+          </a:fillRef>
+          <a:effectRef idx="0">
+            <a:schemeClr val="accent6"/>
+          </a:effectRef>
+          <a:fontRef idx="minor">
+            <a:schemeClr val="dk1"/>
+          </a:fontRef>
+        </p:style>
+        <p:txBody>
+          <a:bodyPr rtlCol="0" anchor="ctr"/>
+          <a:lstStyle/>
+          <a:p>
+            <a:pPr algn="ctr"/>
+            <a:endParaRPr lang="en-US"/>
+          </a:p>
+        </p:txBody>
+      </p:sp>
+      <p:sp>
+        <p:nvSpPr>
+          <p:cNvPr id="18" name="Right Arrow 17"/>
+          <p:cNvSpPr/>
+          <p:nvPr/>
+        </p:nvSpPr>
+        <p:spPr>
+          <a:xfrm>
+            <a:off x="5572132" y="3643314"/>
+            <a:ext cx="428628" cy="785818"/>
+          </a:xfrm>
+          <a:prstGeom prst="rightArrow">
+            <a:avLst/>
+          </a:prstGeom>
+        </p:spPr>
+        <p:style>
+          <a:lnRef idx="2">
+            <a:schemeClr val="accent6"/>
+          </a:lnRef>
+          <a:fillRef idx="1">
+            <a:schemeClr val="lt1"/>
+          </a:fillRef>
+          <a:effectRef idx="0">
+            <a:schemeClr val="accent6"/>
+          </a:effectRef>
+          <a:fontRef idx="minor">
+            <a:schemeClr val="dk1"/>
+          </a:fontRef>
+        </p:style>
+        <p:txBody>
+          <a:bodyPr rtlCol="0" anchor="ctr"/>
+          <a:lstStyle/>
+          <a:p>
+            <a:pPr algn="ctr"/>
+            <a:endParaRPr lang="en-US"/>
+          </a:p>
+        </p:txBody>
+      </p:sp>
+    </p:spTree>
+  </p:cSld>
+  <p:clrMapOvr>
+    <a:masterClrMapping/>
+  </p:clrMapOvr>
+  <p:timing>
+    <p:tnLst>
+      <p:par>
+        <p:cTn id="1" dur="indefinite" restart="never" nodeType="tmRoot"/>
+      </p:par>
+    </p:tnLst>
+  </p:timing>
+</p:sld>
+</file>
+
+<file path=ppt/slides/slide13.xml><?xml version="1.0" encoding="utf-8"?>
+<p:sld xmlns:a="http://schemas.openxmlformats.org/drawingml/2006/main" xmlns:r="http://schemas.openxmlformats.org/officeDocument/2006/relationships" xmlns:p="http://schemas.openxmlformats.org/presentationml/2006/main">
+  <p:cSld>
+    <p:spTree>
+      <p:nvGrpSpPr>
+        <p:cNvPr id="1" name=""/>
+        <p:cNvGrpSpPr/>
+        <p:nvPr/>
+      </p:nvGrpSpPr>
+      <p:grpSpPr>
+        <a:xfrm>
+          <a:off x="0" y="0"/>
+          <a:ext cx="0" cy="0"/>
+          <a:chOff x="0" y="0"/>
+          <a:chExt cx="0" cy="0"/>
+        </a:xfrm>
+      </p:grpSpPr>
+      <p:sp>
+        <p:nvSpPr>
+          <p:cNvPr id="2" name="Title 1"/>
+          <p:cNvSpPr>
+            <a:spLocks noGrp="1"/>
+          </p:cNvSpPr>
+          <p:nvPr>
+            <p:ph type="title"/>
+          </p:nvPr>
+        </p:nvSpPr>
+        <p:spPr/>
+        <p:txBody>
+          <a:bodyPr/>
+          <a:lstStyle/>
+          <a:p>
+            <a:r>
+              <a:rPr lang="es-AR" dirty="0" err="1" smtClean="0"/>
+              <a:t>Render</a:t>
+            </a:r>
+            <a:r>
+              <a:rPr lang="es-AR" dirty="0" smtClean="0"/>
+              <a:t> Pipeline</a:t>
+            </a:r>
+            <a:endParaRPr lang="en-US" dirty="0"/>
+          </a:p>
+        </p:txBody>
+      </p:sp>
+      <p:sp>
+        <p:nvSpPr>
+          <p:cNvPr id="3" name="Content Placeholder 2"/>
+          <p:cNvSpPr>
+            <a:spLocks noGrp="1"/>
+          </p:cNvSpPr>
+          <p:nvPr>
+            <p:ph idx="1"/>
+          </p:nvPr>
+        </p:nvSpPr>
+        <p:spPr/>
+        <p:txBody>
+          <a:bodyPr/>
+          <a:lstStyle/>
+          <a:p>
+            <a:r>
+              <a:rPr lang="es-AR" dirty="0" smtClean="0"/>
+              <a:t>Cálculos Geométricos</a:t>
+            </a:r>
+          </a:p>
+          <a:p>
+            <a:pPr lvl="1"/>
+            <a:r>
+              <a:rPr lang="es-AR" dirty="0" smtClean="0"/>
+              <a:t>Transformaciones</a:t>
+            </a:r>
+          </a:p>
+          <a:p>
+            <a:pPr lvl="1"/>
+            <a:r>
+              <a:rPr lang="es-AR" dirty="0" smtClean="0"/>
+              <a:t>Selección de objetos visibles (</a:t>
+            </a:r>
+            <a:r>
+              <a:rPr lang="es-AR" dirty="0" err="1" smtClean="0"/>
+              <a:t>Frustum</a:t>
+            </a:r>
+            <a:r>
+              <a:rPr lang="es-AR" dirty="0" smtClean="0"/>
+              <a:t> </a:t>
+            </a:r>
+            <a:r>
+              <a:rPr lang="es-AR" dirty="0" err="1" smtClean="0"/>
+              <a:t>culling</a:t>
+            </a:r>
+            <a:r>
+              <a:rPr lang="es-AR" dirty="0" smtClean="0"/>
+              <a:t>)</a:t>
+            </a:r>
+          </a:p>
+          <a:p>
+            <a:pPr lvl="1"/>
+            <a:r>
+              <a:rPr lang="es-AR" dirty="0" smtClean="0"/>
+              <a:t>Iluminación por vértice (</a:t>
+            </a:r>
+            <a:r>
+              <a:rPr lang="es-AR" dirty="0" err="1" smtClean="0"/>
+              <a:t>Vertex</a:t>
+            </a:r>
+            <a:r>
+              <a:rPr lang="es-AR" dirty="0" smtClean="0"/>
+              <a:t> </a:t>
+            </a:r>
+            <a:r>
+              <a:rPr lang="es-AR" dirty="0" err="1" smtClean="0"/>
+              <a:t>shading</a:t>
+            </a:r>
+            <a:r>
+              <a:rPr lang="es-AR" dirty="0" smtClean="0"/>
+              <a:t>)</a:t>
+            </a:r>
+          </a:p>
+          <a:p>
+            <a:pPr lvl="1"/>
+            <a:r>
+              <a:rPr lang="es-AR" dirty="0" smtClean="0"/>
+              <a:t>Proyección</a:t>
+            </a:r>
+          </a:p>
+          <a:p>
+            <a:pPr lvl="1"/>
+            <a:r>
+              <a:rPr lang="es-AR" dirty="0" err="1" smtClean="0"/>
+              <a:t>Backface</a:t>
+            </a:r>
+            <a:r>
+              <a:rPr lang="es-AR" dirty="0" smtClean="0"/>
+              <a:t> </a:t>
+            </a:r>
+            <a:r>
+              <a:rPr lang="es-AR" dirty="0" err="1" smtClean="0"/>
+              <a:t>culling</a:t>
+            </a:r>
+            <a:endParaRPr lang="es-AR" dirty="0" smtClean="0"/>
+          </a:p>
+          <a:p>
+            <a:pPr lvl="1"/>
+            <a:r>
+              <a:rPr lang="es-AR" dirty="0" smtClean="0"/>
+              <a:t>Recorte (</a:t>
+            </a:r>
+            <a:r>
+              <a:rPr lang="es-AR" dirty="0" err="1" smtClean="0"/>
+              <a:t>Clipping</a:t>
+            </a:r>
+            <a:r>
+              <a:rPr lang="es-AR" dirty="0" smtClean="0"/>
+              <a:t>)</a:t>
+            </a:r>
+            <a:br>
+              <a:rPr lang="es-AR" dirty="0" smtClean="0"/>
+            </a:br>
+            <a:endParaRPr lang="en-US" dirty="0"/>
+          </a:p>
+        </p:txBody>
+      </p:sp>
+    </p:spTree>
+  </p:cSld>
+  <p:clrMapOvr>
+    <a:masterClrMapping/>
+  </p:clrMapOvr>
+  <p:timing>
+    <p:tnLst>
+      <p:par>
+        <p:cTn id="1" dur="indefinite" restart="never" nodeType="tmRoot"/>
+      </p:par>
+    </p:tnLst>
+  </p:timing>
+</p:sld>
+</file>
+
+<file path=ppt/slides/slide14.xml><?xml version="1.0" encoding="utf-8"?>
+<p:sld xmlns:a="http://schemas.openxmlformats.org/drawingml/2006/main" xmlns:r="http://schemas.openxmlformats.org/officeDocument/2006/relationships" xmlns:p="http://schemas.openxmlformats.org/presentationml/2006/main">
+  <p:cSld>
+    <p:spTree>
+      <p:nvGrpSpPr>
+        <p:cNvPr id="1" name=""/>
+        <p:cNvGrpSpPr/>
+        <p:nvPr/>
+      </p:nvGrpSpPr>
+      <p:grpSpPr>
+        <a:xfrm>
+          <a:off x="0" y="0"/>
+          <a:ext cx="0" cy="0"/>
+          <a:chOff x="0" y="0"/>
+          <a:chExt cx="0" cy="0"/>
+        </a:xfrm>
+      </p:grpSpPr>
+      <p:sp>
+        <p:nvSpPr>
+          <p:cNvPr id="2" name="Title 1"/>
+          <p:cNvSpPr>
+            <a:spLocks noGrp="1"/>
+          </p:cNvSpPr>
+          <p:nvPr>
+            <p:ph type="title"/>
+          </p:nvPr>
+        </p:nvSpPr>
+        <p:spPr/>
+        <p:txBody>
+          <a:bodyPr/>
+          <a:lstStyle/>
+          <a:p>
+            <a:r>
+              <a:rPr lang="es-AR" dirty="0" err="1" smtClean="0"/>
+              <a:t>Render</a:t>
+            </a:r>
+            <a:r>
+              <a:rPr lang="es-AR" dirty="0" smtClean="0"/>
+              <a:t> Pipeline</a:t>
+            </a:r>
+            <a:endParaRPr lang="en-US" dirty="0"/>
+          </a:p>
+        </p:txBody>
+      </p:sp>
+      <p:sp>
+        <p:nvSpPr>
+          <p:cNvPr id="3" name="Content Placeholder 2"/>
+          <p:cNvSpPr>
+            <a:spLocks noGrp="1"/>
+          </p:cNvSpPr>
+          <p:nvPr>
+            <p:ph idx="1"/>
+          </p:nvPr>
+        </p:nvSpPr>
+        <p:spPr/>
+        <p:txBody>
+          <a:bodyPr/>
+          <a:lstStyle/>
+          <a:p>
+            <a:r>
+              <a:rPr lang="es-AR" dirty="0" err="1" smtClean="0"/>
+              <a:t>Rastering</a:t>
+            </a:r>
+            <a:endParaRPr lang="es-AR" dirty="0" smtClean="0"/>
+          </a:p>
+          <a:p>
+            <a:pPr lvl="1"/>
+            <a:r>
+              <a:rPr lang="es-AR" dirty="0" smtClean="0"/>
+              <a:t>Ocultamiento por buffer de profundidad (Z-Buffer </a:t>
+            </a:r>
+            <a:r>
+              <a:rPr lang="es-AR" dirty="0" err="1" smtClean="0"/>
+              <a:t>occlusion</a:t>
+            </a:r>
+            <a:r>
+              <a:rPr lang="es-AR" dirty="0" smtClean="0"/>
+              <a:t>)</a:t>
+            </a:r>
+          </a:p>
+          <a:p>
+            <a:pPr lvl="1"/>
+            <a:r>
+              <a:rPr lang="es-AR" dirty="0" smtClean="0"/>
+              <a:t>Mapeo de texturas (</a:t>
+            </a:r>
+            <a:r>
+              <a:rPr lang="es-AR" dirty="0" err="1" smtClean="0"/>
+              <a:t>T</a:t>
+            </a:r>
+            <a:r>
+              <a:rPr lang="es-AR" dirty="0" err="1" smtClean="0"/>
+              <a:t>exturing</a:t>
+            </a:r>
+            <a:r>
+              <a:rPr lang="es-AR" dirty="0" smtClean="0"/>
+              <a:t>)</a:t>
+            </a:r>
+          </a:p>
+          <a:p>
+            <a:pPr lvl="1"/>
+            <a:r>
+              <a:rPr lang="es-AR" dirty="0" smtClean="0"/>
+              <a:t>Iluminación por píxel (Pixel </a:t>
+            </a:r>
+            <a:r>
+              <a:rPr lang="es-AR" dirty="0" err="1" smtClean="0"/>
+              <a:t>shading</a:t>
+            </a:r>
+            <a:r>
+              <a:rPr lang="es-AR" dirty="0" smtClean="0"/>
+              <a:t>)</a:t>
+            </a:r>
+          </a:p>
+          <a:p>
+            <a:pPr lvl="1"/>
+            <a:r>
+              <a:rPr lang="es-AR" dirty="0" err="1" smtClean="0"/>
+              <a:t>Frame</a:t>
+            </a:r>
+            <a:r>
+              <a:rPr lang="es-AR" dirty="0" smtClean="0"/>
+              <a:t> buffer</a:t>
+            </a:r>
+          </a:p>
+          <a:p>
+            <a:pPr lvl="1"/>
+            <a:endParaRPr lang="en-US" dirty="0"/>
+          </a:p>
+        </p:txBody>
+      </p:sp>
+    </p:spTree>
+  </p:cSld>
+  <p:clrMapOvr>
+    <a:masterClrMapping/>
+  </p:clrMapOvr>
+  <p:timing>
+    <p:tnLst>
+      <p:par>
+        <p:cTn id="1" dur="indefinite" restart="never" nodeType="tmRoot"/>
+      </p:par>
+    </p:tnLst>
+  </p:timing>
+</p:sld>
+</file>
+
+<file path=ppt/slides/slide15.xml><?xml version="1.0" encoding="utf-8"?>
+<p:sld xmlns:a="http://schemas.openxmlformats.org/drawingml/2006/main" xmlns:r="http://schemas.openxmlformats.org/officeDocument/2006/relationships" xmlns:p="http://schemas.openxmlformats.org/presentationml/2006/main">
+  <p:cSld>
+    <p:spTree>
+      <p:nvGrpSpPr>
+        <p:cNvPr id="1" name=""/>
+        <p:cNvGrpSpPr/>
+        <p:nvPr/>
+      </p:nvGrpSpPr>
+      <p:grpSpPr>
+        <a:xfrm>
+          <a:off x="0" y="0"/>
+          <a:ext cx="0" cy="0"/>
+          <a:chOff x="0" y="0"/>
+          <a:chExt cx="0" cy="0"/>
+        </a:xfrm>
+      </p:grpSpPr>
+      <p:sp>
+        <p:nvSpPr>
+          <p:cNvPr id="2" name="Title 1"/>
+          <p:cNvSpPr>
+            <a:spLocks noGrp="1"/>
+          </p:cNvSpPr>
+          <p:nvPr>
+            <p:ph type="title"/>
+          </p:nvPr>
+        </p:nvSpPr>
+        <p:spPr/>
+        <p:txBody>
+          <a:bodyPr/>
+          <a:lstStyle/>
+          <a:p>
+            <a:r>
+              <a:rPr lang="es-AR" dirty="0" err="1" smtClean="0"/>
+              <a:t>Game</a:t>
+            </a:r>
+            <a:r>
+              <a:rPr lang="es-AR" dirty="0" smtClean="0"/>
+              <a:t> Time y FPS</a:t>
+            </a:r>
+            <a:endParaRPr lang="en-US" dirty="0"/>
+          </a:p>
+        </p:txBody>
+      </p:sp>
+      <p:sp>
+        <p:nvSpPr>
+          <p:cNvPr id="3" name="Content Placeholder 2"/>
+          <p:cNvSpPr>
+            <a:spLocks noGrp="1"/>
+          </p:cNvSpPr>
+          <p:nvPr>
+            <p:ph idx="1"/>
+          </p:nvPr>
+        </p:nvSpPr>
+        <p:spPr/>
+        <p:txBody>
+          <a:bodyPr/>
+          <a:lstStyle/>
+          <a:p>
+            <a:r>
+              <a:rPr lang="es-AR" dirty="0" err="1" smtClean="0"/>
+              <a:t>Game</a:t>
+            </a:r>
+            <a:r>
+              <a:rPr lang="es-AR" dirty="0" smtClean="0"/>
+              <a:t> Time</a:t>
+            </a:r>
+          </a:p>
+          <a:p>
+            <a:r>
+              <a:rPr lang="es-AR" dirty="0" err="1" smtClean="0"/>
+              <a:t>Frames</a:t>
+            </a:r>
+            <a:endParaRPr lang="es-AR" dirty="0" smtClean="0"/>
+          </a:p>
+          <a:p>
+            <a:r>
+              <a:rPr lang="es-AR" dirty="0" smtClean="0"/>
+              <a:t>FPS</a:t>
+            </a:r>
+          </a:p>
+          <a:p>
+            <a:r>
+              <a:rPr lang="es-AR" dirty="0" smtClean="0"/>
+              <a:t>Independencia entre </a:t>
+            </a:r>
+            <a:r>
+              <a:rPr lang="es-AR" dirty="0" err="1" smtClean="0"/>
+              <a:t>Game</a:t>
+            </a:r>
+            <a:r>
+              <a:rPr lang="es-AR" dirty="0" smtClean="0"/>
+              <a:t> Time y FPS</a:t>
+            </a:r>
+            <a:endParaRPr lang="en-US" dirty="0"/>
+          </a:p>
+        </p:txBody>
+      </p:sp>
+    </p:spTree>
+  </p:cSld>
+  <p:clrMapOvr>
+    <a:masterClrMapping/>
+  </p:clrMapOvr>
+  <p:timing>
+    <p:tnLst>
+      <p:par>
+        <p:cTn id="1" dur="indefinite" restart="never" nodeType="tmRoot"/>
+      </p:par>
+    </p:tnLst>
+  </p:timing>
+</p:sld>
+</file>
+
+<file path=ppt/slides/slide16.xml><?xml version="1.0" encoding="utf-8"?>
+<p:sld xmlns:a="http://schemas.openxmlformats.org/drawingml/2006/main" xmlns:r="http://schemas.openxmlformats.org/officeDocument/2006/relationships" xmlns:p="http://schemas.openxmlformats.org/presentationml/2006/main">
+  <p:cSld>
+    <p:spTree>
+      <p:nvGrpSpPr>
+        <p:cNvPr id="1" name=""/>
+        <p:cNvGrpSpPr/>
+        <p:nvPr/>
+      </p:nvGrpSpPr>
+      <p:grpSpPr>
+        <a:xfrm>
+          <a:off x="0" y="0"/>
+          <a:ext cx="0" cy="0"/>
+          <a:chOff x="0" y="0"/>
+          <a:chExt cx="0" cy="0"/>
+        </a:xfrm>
+      </p:grpSpPr>
+      <p:sp>
+        <p:nvSpPr>
+          <p:cNvPr id="2" name="Title 1"/>
+          <p:cNvSpPr>
+            <a:spLocks noGrp="1"/>
+          </p:cNvSpPr>
+          <p:nvPr>
+            <p:ph type="title"/>
+          </p:nvPr>
+        </p:nvSpPr>
+        <p:spPr/>
+        <p:txBody>
+          <a:bodyPr/>
+          <a:lstStyle/>
+          <a:p>
+            <a:r>
+              <a:rPr lang="es-AR" dirty="0" smtClean="0"/>
+              <a:t>Iluminación</a:t>
+            </a:r>
+            <a:endParaRPr lang="en-US" dirty="0"/>
+          </a:p>
+        </p:txBody>
+      </p:sp>
+      <p:sp>
+        <p:nvSpPr>
+          <p:cNvPr id="3" name="Content Placeholder 2"/>
+          <p:cNvSpPr>
+            <a:spLocks noGrp="1"/>
+          </p:cNvSpPr>
+          <p:nvPr>
+            <p:ph idx="1"/>
+          </p:nvPr>
+        </p:nvSpPr>
+        <p:spPr/>
+        <p:txBody>
+          <a:bodyPr/>
+          <a:lstStyle/>
+          <a:p>
+            <a:r>
+              <a:rPr lang="es-AR" dirty="0" smtClean="0"/>
+              <a:t>Ambiental</a:t>
+            </a:r>
+          </a:p>
+          <a:p>
+            <a:r>
+              <a:rPr lang="es-AR" dirty="0" smtClean="0"/>
+              <a:t>Difusa</a:t>
+            </a:r>
+          </a:p>
+          <a:p>
+            <a:r>
+              <a:rPr lang="es-AR" dirty="0" smtClean="0"/>
+              <a:t>Especular</a:t>
+            </a:r>
+            <a:endParaRPr lang="en-US" dirty="0"/>
+          </a:p>
+        </p:txBody>
+      </p:sp>
+      <p:pic>
+        <p:nvPicPr>
+          <p:cNvPr id="11266" name="Picture 2"/>
+          <p:cNvPicPr>
+            <a:picLocks noChangeAspect="1" noChangeArrowheads="1"/>
+          </p:cNvPicPr>
+          <p:nvPr/>
+        </p:nvPicPr>
+        <p:blipFill>
+          <a:blip r:embed="rId2"/>
+          <a:srcRect/>
+          <a:stretch>
+            <a:fillRect/>
+          </a:stretch>
+        </p:blipFill>
+        <p:spPr bwMode="auto">
+          <a:xfrm>
+            <a:off x="3500430" y="1714488"/>
+            <a:ext cx="5169091" cy="2071702"/>
+          </a:xfrm>
+          <a:prstGeom prst="rect">
+            <a:avLst/>
+          </a:prstGeom>
+          <a:noFill/>
+          <a:ln w="9525">
+            <a:noFill/>
+            <a:miter lim="800000"/>
+            <a:headEnd/>
+            <a:tailEnd/>
+          </a:ln>
+          <a:effectLst/>
+        </p:spPr>
+      </p:pic>
+      <p:pic>
+        <p:nvPicPr>
+          <p:cNvPr id="11267" name="Picture 3"/>
+          <p:cNvPicPr>
+            <a:picLocks noChangeAspect="1" noChangeArrowheads="1"/>
+          </p:cNvPicPr>
+          <p:nvPr/>
+        </p:nvPicPr>
+        <p:blipFill>
+          <a:blip r:embed="rId3"/>
+          <a:srcRect/>
+          <a:stretch>
+            <a:fillRect/>
+          </a:stretch>
+        </p:blipFill>
+        <p:spPr bwMode="auto">
+          <a:xfrm>
+            <a:off x="500034" y="4067175"/>
+            <a:ext cx="8077200" cy="2790825"/>
+          </a:xfrm>
+          <a:prstGeom prst="rect">
+            <a:avLst/>
+          </a:prstGeom>
+          <a:noFill/>
+          <a:ln w="9525">
+            <a:noFill/>
+            <a:miter lim="800000"/>
+            <a:headEnd/>
+            <a:tailEnd/>
+          </a:ln>
+          <a:effectLst/>
+        </p:spPr>
+      </p:pic>
+    </p:spTree>
+  </p:cSld>
+  <p:clrMapOvr>
+    <a:masterClrMapping/>
+  </p:clrMapOvr>
+  <p:timing>
+    <p:tnLst>
+      <p:par>
+        <p:cTn id="1" dur="indefinite" restart="never" nodeType="tmRoot"/>
+      </p:par>
+    </p:tnLst>
+  </p:timing>
+</p:sld>
+</file>
+
+<file path=ppt/slides/slide17.xml><?xml version="1.0" encoding="utf-8"?>
+<p:sld xmlns:a="http://schemas.openxmlformats.org/drawingml/2006/main" xmlns:r="http://schemas.openxmlformats.org/officeDocument/2006/relationships" xmlns:p="http://schemas.openxmlformats.org/presentationml/2006/main">
+  <p:cSld>
+    <p:spTree>
+      <p:nvGrpSpPr>
+        <p:cNvPr id="1" name=""/>
+        <p:cNvGrpSpPr/>
+        <p:nvPr/>
+      </p:nvGrpSpPr>
+      <p:grpSpPr>
+        <a:xfrm>
+          <a:off x="0" y="0"/>
+          <a:ext cx="0" cy="0"/>
+          <a:chOff x="0" y="0"/>
+          <a:chExt cx="0" cy="0"/>
+        </a:xfrm>
+      </p:grpSpPr>
+      <p:pic>
+        <p:nvPicPr>
+          <p:cNvPr id="12291" name="Picture 3"/>
+          <p:cNvPicPr>
+            <a:picLocks noChangeAspect="1" noChangeArrowheads="1"/>
+          </p:cNvPicPr>
+          <p:nvPr/>
+        </p:nvPicPr>
+        <p:blipFill>
+          <a:blip r:embed="rId2"/>
+          <a:srcRect/>
+          <a:stretch>
+            <a:fillRect/>
+          </a:stretch>
+        </p:blipFill>
+        <p:spPr bwMode="auto">
+          <a:xfrm>
+            <a:off x="4886325" y="1500174"/>
+            <a:ext cx="4257675" cy="3009900"/>
+          </a:xfrm>
+          <a:prstGeom prst="rect">
+            <a:avLst/>
+          </a:prstGeom>
+          <a:noFill/>
+          <a:ln w="9525">
+            <a:noFill/>
+            <a:miter lim="800000"/>
+            <a:headEnd/>
+            <a:tailEnd/>
+          </a:ln>
+          <a:effectLst/>
+        </p:spPr>
+      </p:pic>
+      <p:grpSp>
+        <p:nvGrpSpPr>
+          <p:cNvPr id="6" name="Group 5"/>
+          <p:cNvGrpSpPr/>
+          <p:nvPr/>
+        </p:nvGrpSpPr>
+        <p:grpSpPr>
+          <a:xfrm>
+            <a:off x="2643174" y="3500438"/>
+            <a:ext cx="3343275" cy="3209925"/>
+            <a:chOff x="1500166" y="3357562"/>
+            <a:chExt cx="3343275" cy="3209925"/>
+          </a:xfrm>
+        </p:grpSpPr>
+        <p:pic>
+          <p:nvPicPr>
+            <p:cNvPr id="12290" name="Picture 2"/>
+            <p:cNvPicPr>
+              <a:picLocks noChangeAspect="1" noChangeArrowheads="1"/>
+            </p:cNvPicPr>
+            <p:nvPr/>
+          </p:nvPicPr>
+          <p:blipFill>
+            <a:blip r:embed="rId3"/>
+            <a:srcRect/>
+            <a:stretch>
+              <a:fillRect/>
+            </a:stretch>
+          </p:blipFill>
+          <p:spPr bwMode="auto">
+            <a:xfrm>
+              <a:off x="1500166" y="3357562"/>
+              <a:ext cx="3343275" cy="3209925"/>
+            </a:xfrm>
+            <a:prstGeom prst="rect">
+              <a:avLst/>
+            </a:prstGeom>
+            <a:noFill/>
+            <a:ln>
+              <a:noFill/>
+            </a:ln>
+          </p:spPr>
+        </p:pic>
+        <p:sp>
+          <p:nvSpPr>
+            <p:cNvPr id="5" name="TextBox 4"/>
+            <p:cNvSpPr txBox="1"/>
+            <p:nvPr/>
+          </p:nvSpPr>
+          <p:spPr>
+            <a:xfrm>
+              <a:off x="1500166" y="6143644"/>
+              <a:ext cx="1358064" cy="369332"/>
+            </a:xfrm>
+            <a:prstGeom prst="rect">
+              <a:avLst/>
+            </a:prstGeom>
+            <a:noFill/>
+          </p:spPr>
+          <p:txBody>
+            <a:bodyPr wrap="none" rtlCol="0">
+              <a:spAutoFit/>
+            </a:bodyPr>
+            <a:lstStyle/>
+            <a:p>
+              <a:r>
+                <a:rPr lang="es-AR" b="1" dirty="0" smtClean="0"/>
+                <a:t>Luz puntual</a:t>
+              </a:r>
+              <a:endParaRPr lang="en-US" b="1" dirty="0"/>
+            </a:p>
+          </p:txBody>
+        </p:sp>
+      </p:grpSp>
+      <p:sp>
+        <p:nvSpPr>
+          <p:cNvPr id="2" name="Title 1"/>
+          <p:cNvSpPr>
+            <a:spLocks noGrp="1"/>
+          </p:cNvSpPr>
+          <p:nvPr>
+            <p:ph type="title"/>
+          </p:nvPr>
+        </p:nvSpPr>
+        <p:spPr/>
+        <p:txBody>
+          <a:bodyPr/>
+          <a:lstStyle/>
+          <a:p>
+            <a:r>
+              <a:rPr lang="es-AR" dirty="0" smtClean="0"/>
+              <a:t>Fuentes de Luz</a:t>
+            </a:r>
+            <a:endParaRPr lang="en-US" dirty="0"/>
+          </a:p>
+        </p:txBody>
+      </p:sp>
+      <p:sp>
+        <p:nvSpPr>
+          <p:cNvPr id="3" name="Content Placeholder 2"/>
+          <p:cNvSpPr>
+            <a:spLocks noGrp="1"/>
+          </p:cNvSpPr>
+          <p:nvPr>
+            <p:ph idx="1"/>
+          </p:nvPr>
+        </p:nvSpPr>
+        <p:spPr/>
+        <p:txBody>
+          <a:bodyPr/>
+          <a:lstStyle/>
+          <a:p>
+            <a:r>
+              <a:rPr lang="es-AR" dirty="0" smtClean="0"/>
+              <a:t>Luz ambiente</a:t>
+            </a:r>
+          </a:p>
+          <a:p>
+            <a:r>
+              <a:rPr lang="es-AR" dirty="0" smtClean="0"/>
+              <a:t>Luz puntual (Point light)</a:t>
+            </a:r>
+          </a:p>
+          <a:p>
+            <a:r>
+              <a:rPr lang="es-AR" dirty="0" smtClean="0"/>
+              <a:t>Luz direccional</a:t>
+            </a:r>
+          </a:p>
+          <a:p>
+            <a:r>
+              <a:rPr lang="es-AR" dirty="0" err="1" smtClean="0"/>
+              <a:t>Spot</a:t>
+            </a:r>
+            <a:r>
+              <a:rPr lang="es-AR" dirty="0" smtClean="0"/>
+              <a:t> light</a:t>
+            </a:r>
+          </a:p>
+          <a:p>
+            <a:endParaRPr lang="en-US" dirty="0"/>
+          </a:p>
+        </p:txBody>
+      </p:sp>
+      <p:sp>
+        <p:nvSpPr>
+          <p:cNvPr id="8" name="TextBox 7"/>
+          <p:cNvSpPr txBox="1"/>
+          <p:nvPr/>
+        </p:nvSpPr>
+        <p:spPr>
+          <a:xfrm>
+            <a:off x="7975090" y="4143380"/>
+            <a:ext cx="1168910" cy="369332"/>
+          </a:xfrm>
+          <a:prstGeom prst="rect">
+            <a:avLst/>
+          </a:prstGeom>
+          <a:noFill/>
+        </p:spPr>
+        <p:txBody>
+          <a:bodyPr wrap="none" rtlCol="0">
+            <a:spAutoFit/>
+          </a:bodyPr>
+          <a:lstStyle/>
+          <a:p>
+            <a:r>
+              <a:rPr lang="es-AR" b="1" dirty="0" err="1" smtClean="0"/>
+              <a:t>Spot</a:t>
+            </a:r>
+            <a:r>
+              <a:rPr lang="es-AR" b="1" dirty="0" smtClean="0"/>
+              <a:t> light</a:t>
+            </a:r>
+            <a:endParaRPr lang="en-US" b="1" dirty="0"/>
+          </a:p>
+        </p:txBody>
+      </p:sp>
+    </p:spTree>
+  </p:cSld>
+  <p:clrMapOvr>
+    <a:masterClrMapping/>
+  </p:clrMapOvr>
+  <p:timing>
+    <p:tnLst>
+      <p:par>
+        <p:cTn id="1" dur="indefinite" restart="never" nodeType="tmRoot"/>
+      </p:par>
+    </p:tnLst>
+  </p:timing>
+</p:sld>
+</file>
+
+<file path=ppt/slides/slide18.xml><?xml version="1.0" encoding="utf-8"?>
+<p:sld xmlns:a="http://schemas.openxmlformats.org/drawingml/2006/main" xmlns:r="http://schemas.openxmlformats.org/officeDocument/2006/relationships" xmlns:p="http://schemas.openxmlformats.org/presentationml/2006/main">
+  <p:cSld>
+    <p:spTree>
+      <p:nvGrpSpPr>
+        <p:cNvPr id="1" name=""/>
+        <p:cNvGrpSpPr/>
+        <p:nvPr/>
+      </p:nvGrpSpPr>
+      <p:grpSpPr>
+        <a:xfrm>
+          <a:off x="0" y="0"/>
+          <a:ext cx="0" cy="0"/>
+          <a:chOff x="0" y="0"/>
+          <a:chExt cx="0" cy="0"/>
+        </a:xfrm>
+      </p:grpSpPr>
+      <p:sp>
+        <p:nvSpPr>
+          <p:cNvPr id="2" name="Title 1"/>
+          <p:cNvSpPr>
+            <a:spLocks noGrp="1"/>
+          </p:cNvSpPr>
+          <p:nvPr>
+            <p:ph type="title"/>
+          </p:nvPr>
+        </p:nvSpPr>
+        <p:spPr/>
+        <p:txBody>
+          <a:bodyPr/>
+          <a:lstStyle/>
+          <a:p>
+            <a:r>
+              <a:rPr lang="es-AR" dirty="0" smtClean="0"/>
+              <a:t>Texturas</a:t>
+            </a:r>
+            <a:endParaRPr lang="en-US" dirty="0"/>
+          </a:p>
+        </p:txBody>
+      </p:sp>
+      <p:sp>
+        <p:nvSpPr>
+          <p:cNvPr id="3" name="Content Placeholder 2"/>
+          <p:cNvSpPr>
+            <a:spLocks noGrp="1"/>
+          </p:cNvSpPr>
+          <p:nvPr>
+            <p:ph idx="1"/>
+          </p:nvPr>
+        </p:nvSpPr>
+        <p:spPr/>
+        <p:txBody>
+          <a:bodyPr/>
+          <a:lstStyle/>
+          <a:p>
+            <a:endParaRPr lang="en-US"/>
+          </a:p>
+        </p:txBody>
+      </p:sp>
+    </p:spTree>
+  </p:cSld>
+  <p:clrMapOvr>
+    <a:masterClrMapping/>
+  </p:clrMapOvr>
+  <p:timing>
+    <p:tnLst>
+      <p:par>
+        <p:cTn id="1" dur="indefinite" restart="never" nodeType="tmRoot"/>
+      </p:par>
+    </p:tnLst>
+  </p:timing>
+</p:sld>
+</file>
+
 <file path=ppt/slides/slide2.xml><?xml version="1.0" encoding="utf-8"?>
 <p:sld xmlns:a="http://schemas.openxmlformats.org/drawingml/2006/main" xmlns:r="http://schemas.openxmlformats.org/officeDocument/2006/relationships" xmlns:p="http://schemas.openxmlformats.org/presentationml/2006/main">
   <p:cSld>
@@ -4056,11 +6023,361 @@
           <a:prstGeom prst="rect">
             <a:avLst/>
           </a:prstGeom>
+          <a:ln>
+            <a:noFill/>
+          </a:ln>
+          <a:effectLst>
+            <a:softEdge rad="112500"/>
+          </a:effectLst>
+        </p:spPr>
+      </p:pic>
+      <p:sp>
+        <p:nvSpPr>
+          <p:cNvPr id="2" name="Title 1"/>
+          <p:cNvSpPr>
+            <a:spLocks noGrp="1"/>
+          </p:cNvSpPr>
+          <p:nvPr>
+            <p:ph type="title"/>
+          </p:nvPr>
+        </p:nvSpPr>
+        <p:spPr/>
+        <p:txBody>
+          <a:bodyPr/>
+          <a:lstStyle/>
+          <a:p>
+            <a:r>
+              <a:rPr lang="es-AR" dirty="0" smtClean="0"/>
+              <a:t>¿Qué es un Modelo 3D?</a:t>
+            </a:r>
+            <a:endParaRPr lang="en-US" dirty="0"/>
+          </a:p>
+        </p:txBody>
+      </p:sp>
+      <p:sp>
+        <p:nvSpPr>
+          <p:cNvPr id="3" name="Content Placeholder 2"/>
+          <p:cNvSpPr>
+            <a:spLocks noGrp="1"/>
+          </p:cNvSpPr>
+          <p:nvPr>
+            <p:ph idx="1"/>
+          </p:nvPr>
+        </p:nvSpPr>
+        <p:spPr/>
+        <p:txBody>
+          <a:bodyPr>
+            <a:normAutofit/>
+          </a:bodyPr>
+          <a:lstStyle/>
+          <a:p>
+            <a:r>
+              <a:rPr lang="es-AR" dirty="0" smtClean="0"/>
+              <a:t>Abstracción Matemática</a:t>
+            </a:r>
+            <a:br>
+              <a:rPr lang="es-AR" dirty="0" smtClean="0"/>
+            </a:br>
+            <a:endParaRPr lang="es-AR" dirty="0" smtClean="0"/>
+          </a:p>
+          <a:p>
+            <a:r>
+              <a:rPr lang="es-AR" dirty="0" err="1" smtClean="0"/>
+              <a:t>Rendering</a:t>
+            </a:r>
+            <a:endParaRPr lang="es-AR" dirty="0" smtClean="0"/>
+          </a:p>
+          <a:p>
+            <a:pPr lvl="1"/>
+            <a:r>
+              <a:rPr lang="es-AR" dirty="0" smtClean="0"/>
+              <a:t>Pre-</a:t>
+            </a:r>
+            <a:r>
+              <a:rPr lang="es-AR" dirty="0" err="1" smtClean="0"/>
+              <a:t>rendering</a:t>
+            </a:r>
+            <a:endParaRPr lang="es-AR" dirty="0" smtClean="0"/>
+          </a:p>
+          <a:p>
+            <a:pPr lvl="1"/>
+            <a:r>
+              <a:rPr lang="es-AR" dirty="0" smtClean="0"/>
+              <a:t>Real-time </a:t>
+            </a:r>
+            <a:r>
+              <a:rPr lang="es-AR" dirty="0" err="1" smtClean="0"/>
+              <a:t>rendering</a:t>
+            </a:r>
+            <a:endParaRPr lang="es-AR" dirty="0" smtClean="0"/>
+          </a:p>
+          <a:p>
+            <a:pPr>
+              <a:buNone/>
+            </a:pPr>
+            <a:endParaRPr lang="es-AR" dirty="0" smtClean="0"/>
+          </a:p>
+        </p:txBody>
+      </p:sp>
+    </p:spTree>
+  </p:cSld>
+  <p:clrMapOvr>
+    <a:masterClrMapping/>
+  </p:clrMapOvr>
+  <p:timing>
+    <p:tnLst>
+      <p:par>
+        <p:cTn id="1" dur="indefinite" restart="never" nodeType="tmRoot"/>
+      </p:par>
+    </p:tnLst>
+  </p:timing>
+</p:sld>
+</file>
+
+<file path=ppt/slides/slide3.xml><?xml version="1.0" encoding="utf-8"?>
+<p:sld xmlns:a="http://schemas.openxmlformats.org/drawingml/2006/main" xmlns:r="http://schemas.openxmlformats.org/officeDocument/2006/relationships" xmlns:p="http://schemas.openxmlformats.org/presentationml/2006/main">
+  <p:cSld>
+    <p:spTree>
+      <p:nvGrpSpPr>
+        <p:cNvPr id="1" name=""/>
+        <p:cNvGrpSpPr/>
+        <p:nvPr/>
+      </p:nvGrpSpPr>
+      <p:grpSpPr>
+        <a:xfrm>
+          <a:off x="0" y="0"/>
+          <a:ext cx="0" cy="0"/>
+          <a:chOff x="0" y="0"/>
+          <a:chExt cx="0" cy="0"/>
+        </a:xfrm>
+      </p:grpSpPr>
+      <p:pic>
+        <p:nvPicPr>
+          <p:cNvPr id="2052" name="Picture 4"/>
+          <p:cNvPicPr>
+            <a:picLocks noChangeAspect="1" noChangeArrowheads="1"/>
+          </p:cNvPicPr>
+          <p:nvPr/>
+        </p:nvPicPr>
+        <p:blipFill>
+          <a:blip r:embed="rId2">
+            <a:lum bright="24000"/>
+          </a:blip>
+          <a:srcRect/>
+          <a:stretch>
+            <a:fillRect/>
+          </a:stretch>
+        </p:blipFill>
+        <p:spPr bwMode="auto">
+          <a:xfrm>
+            <a:off x="4357686" y="2285992"/>
+            <a:ext cx="4357718" cy="4067712"/>
+          </a:xfrm>
+          <a:prstGeom prst="rect">
+            <a:avLst/>
+          </a:prstGeom>
+          <a:noFill/>
+          <a:ln>
+            <a:noFill/>
+          </a:ln>
+          <a:effectLst>
+            <a:softEdge rad="112500"/>
+          </a:effectLst>
+        </p:spPr>
+      </p:pic>
+      <p:sp>
+        <p:nvSpPr>
+          <p:cNvPr id="2" name="Title 1"/>
+          <p:cNvSpPr>
+            <a:spLocks noGrp="1"/>
+          </p:cNvSpPr>
+          <p:nvPr>
+            <p:ph type="title"/>
+          </p:nvPr>
+        </p:nvSpPr>
+        <p:spPr/>
+        <p:txBody>
+          <a:bodyPr/>
+          <a:lstStyle/>
+          <a:p>
+            <a:r>
+              <a:rPr lang="es-AR" dirty="0" smtClean="0"/>
+              <a:t>Sistemas de Coordenadas</a:t>
+            </a:r>
+            <a:endParaRPr lang="en-US" dirty="0"/>
+          </a:p>
+        </p:txBody>
+      </p:sp>
+      <p:sp>
+        <p:nvSpPr>
+          <p:cNvPr id="3" name="Content Placeholder 2"/>
+          <p:cNvSpPr>
+            <a:spLocks noGrp="1"/>
+          </p:cNvSpPr>
+          <p:nvPr>
+            <p:ph idx="1"/>
+          </p:nvPr>
+        </p:nvSpPr>
+        <p:spPr/>
+        <p:txBody>
+          <a:bodyPr/>
+          <a:lstStyle/>
+          <a:p>
+            <a:r>
+              <a:rPr lang="es-AR" dirty="0" smtClean="0"/>
+              <a:t>Sistema de coordenadas cartesianas</a:t>
+            </a:r>
+            <a:br>
+              <a:rPr lang="es-AR" dirty="0" smtClean="0"/>
+            </a:br>
+            <a:endParaRPr lang="es-AR" dirty="0" smtClean="0"/>
+          </a:p>
+          <a:p>
+            <a:r>
+              <a:rPr lang="es-AR" dirty="0" smtClean="0"/>
+              <a:t>Necesidad de múltiples sistemas de coordenadas</a:t>
+            </a:r>
+          </a:p>
+          <a:p>
+            <a:endParaRPr lang="es-AR" dirty="0" smtClean="0"/>
+          </a:p>
+          <a:p>
+            <a:pPr>
+              <a:buNone/>
+            </a:pPr>
+            <a:endParaRPr lang="es-AR" dirty="0" smtClean="0"/>
+          </a:p>
+          <a:p>
+            <a:endParaRPr lang="es-AR" dirty="0" smtClean="0"/>
+          </a:p>
+          <a:p>
+            <a:endParaRPr lang="es-AR" dirty="0" smtClean="0"/>
+          </a:p>
+          <a:p>
+            <a:endParaRPr lang="es-AR" dirty="0" smtClean="0"/>
+          </a:p>
+          <a:p>
+            <a:endParaRPr lang="es-AR" dirty="0" smtClean="0"/>
+          </a:p>
+          <a:p>
+            <a:endParaRPr lang="en-US" dirty="0"/>
+          </a:p>
+        </p:txBody>
+      </p:sp>
+    </p:spTree>
+  </p:cSld>
+  <p:clrMapOvr>
+    <a:masterClrMapping/>
+  </p:clrMapOvr>
+  <p:timing>
+    <p:tnLst>
+      <p:par>
+        <p:cTn id="1" dur="indefinite" restart="never" nodeType="tmRoot"/>
+      </p:par>
+    </p:tnLst>
+  </p:timing>
+</p:sld>
+</file>
+
+<file path=ppt/slides/slide4.xml><?xml version="1.0" encoding="utf-8"?>
+<p:sld xmlns:a="http://schemas.openxmlformats.org/drawingml/2006/main" xmlns:r="http://schemas.openxmlformats.org/officeDocument/2006/relationships" xmlns:p="http://schemas.openxmlformats.org/presentationml/2006/main">
+  <p:cSld>
+    <p:spTree>
+      <p:nvGrpSpPr>
+        <p:cNvPr id="1" name=""/>
+        <p:cNvGrpSpPr/>
+        <p:nvPr/>
+      </p:nvGrpSpPr>
+      <p:grpSpPr>
+        <a:xfrm>
+          <a:off x="0" y="0"/>
+          <a:ext cx="0" cy="0"/>
+          <a:chOff x="0" y="0"/>
+          <a:chExt cx="0" cy="0"/>
+        </a:xfrm>
+      </p:grpSpPr>
+      <p:sp>
+        <p:nvSpPr>
+          <p:cNvPr id="2" name="Title 1"/>
+          <p:cNvSpPr>
+            <a:spLocks noGrp="1"/>
+          </p:cNvSpPr>
+          <p:nvPr>
+            <p:ph type="title"/>
+          </p:nvPr>
+        </p:nvSpPr>
+        <p:spPr/>
+        <p:txBody>
+          <a:bodyPr/>
+          <a:lstStyle/>
+          <a:p>
+            <a:r>
+              <a:rPr lang="es-AR" dirty="0" smtClean="0"/>
+              <a:t>Sistemas de Coordenadas</a:t>
+            </a:r>
+            <a:endParaRPr lang="en-US" dirty="0"/>
+          </a:p>
+        </p:txBody>
+      </p:sp>
+      <p:sp>
+        <p:nvSpPr>
+          <p:cNvPr id="3" name="Content Placeholder 2"/>
+          <p:cNvSpPr>
+            <a:spLocks noGrp="1"/>
+          </p:cNvSpPr>
+          <p:nvPr>
+            <p:ph idx="1"/>
+          </p:nvPr>
+        </p:nvSpPr>
+        <p:spPr/>
+        <p:txBody>
+          <a:bodyPr/>
+          <a:lstStyle/>
+          <a:p>
+            <a:r>
+              <a:rPr lang="es-AR" dirty="0" smtClean="0"/>
+              <a:t>Tipos</a:t>
+            </a:r>
+          </a:p>
+          <a:p>
+            <a:pPr lvl="1"/>
+            <a:r>
+              <a:rPr lang="es-AR" dirty="0" smtClean="0"/>
+              <a:t>Sentido relativo de los ejes</a:t>
+            </a:r>
+          </a:p>
+          <a:p>
+            <a:pPr lvl="1"/>
+            <a:endParaRPr lang="en-US" dirty="0"/>
+          </a:p>
+        </p:txBody>
+      </p:sp>
+      <p:pic>
+        <p:nvPicPr>
+          <p:cNvPr id="3074" name="Picture 2"/>
+          <p:cNvPicPr>
+            <a:picLocks noChangeAspect="1" noChangeArrowheads="1"/>
+          </p:cNvPicPr>
+          <p:nvPr/>
+        </p:nvPicPr>
+        <p:blipFill>
+          <a:blip r:embed="rId2"/>
+          <a:srcRect/>
+          <a:stretch>
+            <a:fillRect/>
+          </a:stretch>
+        </p:blipFill>
+        <p:spPr bwMode="auto">
+          <a:xfrm>
+            <a:off x="785786" y="3357562"/>
+            <a:ext cx="3529007" cy="3256346"/>
+          </a:xfrm>
+          <a:prstGeom prst="rect">
+            <a:avLst/>
+          </a:prstGeom>
           <a:noFill/>
           <a:ln w="9525">
-            <a:solidFill>
-              <a:schemeClr val="bg1"/>
-            </a:solidFill>
+            <a:noFill/>
             <a:miter lim="800000"/>
             <a:headEnd/>
             <a:tailEnd/>
@@ -4068,91 +6385,96 @@
           <a:effectLst/>
         </p:spPr>
       </p:pic>
-      <p:sp>
-        <p:nvSpPr>
-          <p:cNvPr id="2" name="Title 1"/>
-          <p:cNvSpPr>
-            <a:spLocks noGrp="1"/>
-          </p:cNvSpPr>
-          <p:nvPr>
-            <p:ph type="title"/>
-          </p:nvPr>
-        </p:nvSpPr>
-        <p:spPr/>
-        <p:txBody>
-          <a:bodyPr/>
-          <a:lstStyle/>
-          <a:p>
-            <a:r>
-              <a:rPr lang="es-AR" dirty="0" smtClean="0"/>
-              <a:t>¿Qué es un modelo 3D?</a:t>
-            </a:r>
-            <a:endParaRPr lang="en-US" dirty="0"/>
-          </a:p>
-        </p:txBody>
-      </p:sp>
-      <p:sp>
-        <p:nvSpPr>
-          <p:cNvPr id="3" name="Content Placeholder 2"/>
-          <p:cNvSpPr>
-            <a:spLocks noGrp="1"/>
-          </p:cNvSpPr>
-          <p:nvPr>
-            <p:ph idx="1"/>
-          </p:nvPr>
-        </p:nvSpPr>
-        <p:spPr/>
-        <p:txBody>
-          <a:bodyPr>
-            <a:normAutofit/>
+      <p:pic>
+        <p:nvPicPr>
+          <p:cNvPr id="3076" name="Picture 4"/>
+          <p:cNvPicPr>
+            <a:picLocks noChangeAspect="1" noChangeArrowheads="1"/>
+          </p:cNvPicPr>
+          <p:nvPr/>
+        </p:nvPicPr>
+        <p:blipFill>
+          <a:blip r:embed="rId3"/>
+          <a:srcRect/>
+          <a:stretch>
+            <a:fillRect/>
+          </a:stretch>
+        </p:blipFill>
+        <p:spPr bwMode="auto">
+          <a:xfrm>
+            <a:off x="4857752" y="3357562"/>
+            <a:ext cx="3500462" cy="3247139"/>
+          </a:xfrm>
+          <a:prstGeom prst="rect">
+            <a:avLst/>
+          </a:prstGeom>
+          <a:noFill/>
+          <a:ln w="9525">
+            <a:noFill/>
+            <a:miter lim="800000"/>
+            <a:headEnd/>
+            <a:tailEnd/>
+          </a:ln>
+          <a:effectLst/>
+        </p:spPr>
+      </p:pic>
+      <p:sp>
+        <p:nvSpPr>
+          <p:cNvPr id="7" name="TextBox 6"/>
+          <p:cNvSpPr txBox="1"/>
+          <p:nvPr/>
+        </p:nvSpPr>
+        <p:spPr>
+          <a:xfrm>
+            <a:off x="6215074" y="2928934"/>
+            <a:ext cx="2117887" cy="400110"/>
+          </a:xfrm>
+          <a:prstGeom prst="rect">
+            <a:avLst/>
+          </a:prstGeom>
+          <a:noFill/>
+        </p:spPr>
+        <p:txBody>
+          <a:bodyPr wrap="none" rtlCol="0">
+            <a:spAutoFit/>
           </a:bodyPr>
           <a:lstStyle/>
           <a:p>
             <a:r>
-              <a:rPr lang="es-AR" dirty="0" smtClean="0"/>
-              <a:t>Abstracción Matemática</a:t>
-            </a:r>
-            <a:br>
-              <a:rPr lang="es-AR" dirty="0" smtClean="0"/>
-            </a:br>
-            <a:endParaRPr lang="es-AR" dirty="0" smtClean="0"/>
-          </a:p>
-          <a:p>
-            <a:r>
-              <a:rPr lang="es-AR" dirty="0" err="1" smtClean="0"/>
-              <a:t>Rendering</a:t>
-            </a:r>
-            <a:endParaRPr lang="es-AR" dirty="0" smtClean="0"/>
-          </a:p>
-          <a:p>
-            <a:pPr lvl="1"/>
-            <a:r>
-              <a:rPr lang="es-AR" dirty="0" smtClean="0"/>
-              <a:t>Pre-</a:t>
-            </a:r>
-            <a:r>
-              <a:rPr lang="es-AR" dirty="0" err="1" smtClean="0"/>
-              <a:t>rendering</a:t>
-            </a:r>
-            <a:endParaRPr lang="es-AR" dirty="0" smtClean="0"/>
-          </a:p>
-          <a:p>
-            <a:pPr lvl="1"/>
-            <a:r>
-              <a:rPr lang="es-AR" dirty="0" smtClean="0"/>
-              <a:t>Real-time </a:t>
-            </a:r>
-            <a:r>
-              <a:rPr lang="es-AR" dirty="0" err="1" smtClean="0"/>
-              <a:t>rendering</a:t>
-            </a:r>
-            <a:endParaRPr lang="es-AR" dirty="0" smtClean="0"/>
-          </a:p>
-          <a:p>
-            <a:pPr>
-              <a:buNone/>
-            </a:pPr>
-            <a:endParaRPr lang="es-AR" dirty="0" smtClean="0"/>
+              <a:rPr lang="es-AR" sz="2000" b="1" dirty="0" smtClean="0"/>
+              <a:t>De mano derecha</a:t>
+            </a:r>
+            <a:endParaRPr lang="en-US" sz="2000" b="1" dirty="0"/>
+          </a:p>
+        </p:txBody>
+      </p:sp>
+      <p:sp>
+        <p:nvSpPr>
+          <p:cNvPr id="8" name="TextBox 7"/>
+          <p:cNvSpPr txBox="1"/>
+          <p:nvPr/>
+        </p:nvSpPr>
+        <p:spPr>
+          <a:xfrm>
+            <a:off x="785786" y="2928934"/>
+            <a:ext cx="2257349" cy="400110"/>
+          </a:xfrm>
+          <a:prstGeom prst="rect">
+            <a:avLst/>
+          </a:prstGeom>
+          <a:noFill/>
+        </p:spPr>
+        <p:txBody>
+          <a:bodyPr wrap="none" rtlCol="0">
+            <a:spAutoFit/>
+          </a:bodyPr>
+          <a:lstStyle/>
+          <a:p>
+            <a:r>
+              <a:rPr lang="es-AR" sz="2000" b="1" dirty="0" smtClean="0"/>
+              <a:t>De mano izquierda</a:t>
+            </a:r>
+            <a:endParaRPr lang="en-US" sz="2000" b="1" dirty="0"/>
           </a:p>
         </p:txBody>
       </p:sp>
@@ -4161,6 +6483,891 @@
   <p:clrMapOvr>
     <a:masterClrMapping/>
   </p:clrMapOvr>
+  <p:timing>
+    <p:tnLst>
+      <p:par>
+        <p:cTn id="1" dur="indefinite" restart="never" nodeType="tmRoot"/>
+      </p:par>
+    </p:tnLst>
+  </p:timing>
+</p:sld>
+</file>
+
+<file path=ppt/slides/slide5.xml><?xml version="1.0" encoding="utf-8"?>
+<p:sld xmlns:a="http://schemas.openxmlformats.org/drawingml/2006/main" xmlns:r="http://schemas.openxmlformats.org/officeDocument/2006/relationships" xmlns:p="http://schemas.openxmlformats.org/presentationml/2006/main">
+  <p:cSld>
+    <p:spTree>
+      <p:nvGrpSpPr>
+        <p:cNvPr id="1" name=""/>
+        <p:cNvGrpSpPr/>
+        <p:nvPr/>
+      </p:nvGrpSpPr>
+      <p:grpSpPr>
+        <a:xfrm>
+          <a:off x="0" y="0"/>
+          <a:ext cx="0" cy="0"/>
+          <a:chOff x="0" y="0"/>
+          <a:chExt cx="0" cy="0"/>
+        </a:xfrm>
+      </p:grpSpPr>
+      <p:sp>
+        <p:nvSpPr>
+          <p:cNvPr id="2" name="Title 1"/>
+          <p:cNvSpPr>
+            <a:spLocks noGrp="1"/>
+          </p:cNvSpPr>
+          <p:nvPr>
+            <p:ph type="title"/>
+          </p:nvPr>
+        </p:nvSpPr>
+        <p:spPr/>
+        <p:txBody>
+          <a:bodyPr/>
+          <a:lstStyle/>
+          <a:p>
+            <a:r>
+              <a:rPr lang="es-AR" dirty="0" smtClean="0"/>
+              <a:t>Sistemas de Coordenadas</a:t>
+            </a:r>
+            <a:endParaRPr lang="en-US" dirty="0"/>
+          </a:p>
+        </p:txBody>
+      </p:sp>
+      <p:sp>
+        <p:nvSpPr>
+          <p:cNvPr id="3" name="Content Placeholder 2"/>
+          <p:cNvSpPr>
+            <a:spLocks noGrp="1"/>
+          </p:cNvSpPr>
+          <p:nvPr>
+            <p:ph idx="1"/>
+          </p:nvPr>
+        </p:nvSpPr>
+        <p:spPr/>
+        <p:txBody>
+          <a:bodyPr/>
+          <a:lstStyle/>
+          <a:p>
+            <a:r>
+              <a:rPr lang="es-AR" dirty="0" smtClean="0"/>
+              <a:t>Espacio de Objeto (</a:t>
+            </a:r>
+            <a:r>
+              <a:rPr lang="es-AR" dirty="0" err="1" smtClean="0"/>
+              <a:t>Object</a:t>
+            </a:r>
+            <a:r>
+              <a:rPr lang="es-AR" dirty="0" smtClean="0"/>
+              <a:t> </a:t>
+            </a:r>
+            <a:r>
+              <a:rPr lang="es-AR" dirty="0" err="1" smtClean="0"/>
+              <a:t>Space</a:t>
+            </a:r>
+            <a:r>
+              <a:rPr lang="es-AR" dirty="0" smtClean="0"/>
+              <a:t>)</a:t>
+            </a:r>
+          </a:p>
+          <a:p>
+            <a:r>
+              <a:rPr lang="es-AR" dirty="0" smtClean="0"/>
+              <a:t>Espacio de Mundo (</a:t>
+            </a:r>
+            <a:r>
+              <a:rPr lang="es-AR" dirty="0" err="1" smtClean="0"/>
+              <a:t>World</a:t>
+            </a:r>
+            <a:r>
+              <a:rPr lang="es-AR" dirty="0" smtClean="0"/>
+              <a:t> </a:t>
+            </a:r>
+            <a:r>
+              <a:rPr lang="es-AR" dirty="0" err="1" smtClean="0"/>
+              <a:t>Space</a:t>
+            </a:r>
+            <a:r>
+              <a:rPr lang="es-AR" dirty="0" smtClean="0"/>
+              <a:t>)</a:t>
+            </a:r>
+          </a:p>
+          <a:p>
+            <a:pPr>
+              <a:buNone/>
+            </a:pPr>
+            <a:endParaRPr lang="en-US" dirty="0"/>
+          </a:p>
+        </p:txBody>
+      </p:sp>
+      <p:pic>
+        <p:nvPicPr>
+          <p:cNvPr id="4098" name="Picture 2"/>
+          <p:cNvPicPr>
+            <a:picLocks noChangeAspect="1" noChangeArrowheads="1"/>
+          </p:cNvPicPr>
+          <p:nvPr/>
+        </p:nvPicPr>
+        <p:blipFill>
+          <a:blip r:embed="rId2"/>
+          <a:srcRect/>
+          <a:stretch>
+            <a:fillRect/>
+          </a:stretch>
+        </p:blipFill>
+        <p:spPr bwMode="auto">
+          <a:xfrm>
+            <a:off x="1643042" y="3357562"/>
+            <a:ext cx="6072230" cy="2808569"/>
+          </a:xfrm>
+          <a:prstGeom prst="rect">
+            <a:avLst/>
+          </a:prstGeom>
+          <a:ln>
+            <a:noFill/>
+          </a:ln>
+          <a:effectLst>
+            <a:softEdge rad="112500"/>
+          </a:effectLst>
+        </p:spPr>
+      </p:pic>
+    </p:spTree>
+  </p:cSld>
+  <p:clrMapOvr>
+    <a:masterClrMapping/>
+  </p:clrMapOvr>
+  <p:timing>
+    <p:tnLst>
+      <p:par>
+        <p:cTn id="1" dur="indefinite" restart="never" nodeType="tmRoot"/>
+      </p:par>
+    </p:tnLst>
+  </p:timing>
+</p:sld>
+</file>
+
+<file path=ppt/slides/slide6.xml><?xml version="1.0" encoding="utf-8"?>
+<p:sld xmlns:a="http://schemas.openxmlformats.org/drawingml/2006/main" xmlns:r="http://schemas.openxmlformats.org/officeDocument/2006/relationships" xmlns:p="http://schemas.openxmlformats.org/presentationml/2006/main">
+  <p:cSld>
+    <p:spTree>
+      <p:nvGrpSpPr>
+        <p:cNvPr id="1" name=""/>
+        <p:cNvGrpSpPr/>
+        <p:nvPr/>
+      </p:nvGrpSpPr>
+      <p:grpSpPr>
+        <a:xfrm>
+          <a:off x="0" y="0"/>
+          <a:ext cx="0" cy="0"/>
+          <a:chOff x="0" y="0"/>
+          <a:chExt cx="0" cy="0"/>
+        </a:xfrm>
+      </p:grpSpPr>
+      <p:sp>
+        <p:nvSpPr>
+          <p:cNvPr id="2" name="Title 1"/>
+          <p:cNvSpPr>
+            <a:spLocks noGrp="1"/>
+          </p:cNvSpPr>
+          <p:nvPr>
+            <p:ph type="title"/>
+          </p:nvPr>
+        </p:nvSpPr>
+        <p:spPr/>
+        <p:txBody>
+          <a:bodyPr/>
+          <a:lstStyle/>
+          <a:p>
+            <a:r>
+              <a:rPr lang="es-AR" dirty="0" smtClean="0"/>
+              <a:t>Figuras 3D</a:t>
+            </a:r>
+            <a:endParaRPr lang="en-US" dirty="0"/>
+          </a:p>
+        </p:txBody>
+      </p:sp>
+      <p:sp>
+        <p:nvSpPr>
+          <p:cNvPr id="3" name="Content Placeholder 2"/>
+          <p:cNvSpPr>
+            <a:spLocks noGrp="1"/>
+          </p:cNvSpPr>
+          <p:nvPr>
+            <p:ph idx="1"/>
+          </p:nvPr>
+        </p:nvSpPr>
+        <p:spPr/>
+        <p:txBody>
+          <a:bodyPr/>
+          <a:lstStyle/>
+          <a:p>
+            <a:r>
+              <a:rPr lang="es-AR" dirty="0" smtClean="0"/>
+              <a:t>Vértices, segmentos y polígonos</a:t>
+            </a:r>
+          </a:p>
+          <a:p>
+            <a:r>
+              <a:rPr lang="es-AR" dirty="0" smtClean="0"/>
+              <a:t>Triángulos y mallas (</a:t>
+            </a:r>
+            <a:r>
+              <a:rPr lang="es-AR" dirty="0" err="1" smtClean="0"/>
+              <a:t>Mesh</a:t>
+            </a:r>
+            <a:r>
+              <a:rPr lang="es-AR" dirty="0" smtClean="0"/>
+              <a:t>)</a:t>
+            </a:r>
+          </a:p>
+          <a:p>
+            <a:r>
+              <a:rPr lang="es-AR" dirty="0" smtClean="0"/>
+              <a:t>Caras</a:t>
+            </a:r>
+          </a:p>
+          <a:p>
+            <a:pPr lvl="1"/>
+            <a:r>
+              <a:rPr lang="es-AR" dirty="0" err="1" smtClean="0"/>
+              <a:t>Face</a:t>
+            </a:r>
+            <a:r>
+              <a:rPr lang="es-AR" dirty="0" smtClean="0"/>
+              <a:t> y </a:t>
+            </a:r>
+            <a:r>
+              <a:rPr lang="es-AR" dirty="0" err="1" smtClean="0"/>
+              <a:t>backface</a:t>
+            </a:r>
+            <a:endParaRPr lang="es-AR" dirty="0" smtClean="0"/>
+          </a:p>
+          <a:p>
+            <a:endParaRPr lang="en-US" dirty="0"/>
+          </a:p>
+        </p:txBody>
+      </p:sp>
+      <p:pic>
+        <p:nvPicPr>
+          <p:cNvPr id="5122" name="Picture 2"/>
+          <p:cNvPicPr>
+            <a:picLocks noChangeAspect="1" noChangeArrowheads="1"/>
+          </p:cNvPicPr>
+          <p:nvPr/>
+        </p:nvPicPr>
+        <p:blipFill>
+          <a:blip r:embed="rId2"/>
+          <a:srcRect/>
+          <a:stretch>
+            <a:fillRect/>
+          </a:stretch>
+        </p:blipFill>
+        <p:spPr bwMode="auto">
+          <a:xfrm>
+            <a:off x="4429124" y="3000372"/>
+            <a:ext cx="3852866" cy="3218019"/>
+          </a:xfrm>
+          <a:prstGeom prst="rect">
+            <a:avLst/>
+          </a:prstGeom>
+          <a:noFill/>
+          <a:ln w="9525">
+            <a:noFill/>
+            <a:miter lim="800000"/>
+            <a:headEnd/>
+            <a:tailEnd/>
+          </a:ln>
+          <a:effectLst/>
+        </p:spPr>
+      </p:pic>
+      <p:pic>
+        <p:nvPicPr>
+          <p:cNvPr id="5123" name="Picture 3"/>
+          <p:cNvPicPr>
+            <a:picLocks noChangeAspect="1" noChangeArrowheads="1"/>
+          </p:cNvPicPr>
+          <p:nvPr/>
+        </p:nvPicPr>
+        <p:blipFill>
+          <a:blip r:embed="rId3"/>
+          <a:srcRect/>
+          <a:stretch>
+            <a:fillRect/>
+          </a:stretch>
+        </p:blipFill>
+        <p:spPr bwMode="auto">
+          <a:xfrm>
+            <a:off x="1357290" y="4000504"/>
+            <a:ext cx="2409825" cy="2228850"/>
+          </a:xfrm>
+          <a:prstGeom prst="rect">
+            <a:avLst/>
+          </a:prstGeom>
+          <a:solidFill>
+            <a:srgbClr val="FFFFFF">
+              <a:shade val="85000"/>
+            </a:srgbClr>
+          </a:solidFill>
+          <a:ln w="101600" cap="sq">
+            <a:solidFill>
+              <a:srgbClr val="FDFDFD"/>
+            </a:solidFill>
+            <a:miter lim="800000"/>
+          </a:ln>
+          <a:effectLst>
+            <a:outerShdw blurRad="57150" dist="37500" dir="7560000" sy="98000" kx="110000" ky="200000" algn="tl" rotWithShape="0">
+              <a:srgbClr val="000000">
+                <a:alpha val="20000"/>
+              </a:srgbClr>
+            </a:outerShdw>
+          </a:effectLst>
+          <a:scene3d>
+            <a:camera prst="perspectiveRelaxed">
+              <a:rot lat="18960000" lon="0" rev="0"/>
+            </a:camera>
+            <a:lightRig rig="twoPt" dir="t">
+              <a:rot lat="0" lon="0" rev="7200000"/>
+            </a:lightRig>
+          </a:scene3d>
+          <a:sp3d prstMaterial="matte">
+            <a:bevelT w="22860" h="12700"/>
+            <a:contourClr>
+              <a:srgbClr val="FFFFFF"/>
+            </a:contourClr>
+          </a:sp3d>
+        </p:spPr>
+      </p:pic>
+    </p:spTree>
+  </p:cSld>
+  <p:clrMapOvr>
+    <a:masterClrMapping/>
+  </p:clrMapOvr>
+  <p:timing>
+    <p:tnLst>
+      <p:par>
+        <p:cTn id="1" dur="indefinite" restart="never" nodeType="tmRoot"/>
+      </p:par>
+    </p:tnLst>
+  </p:timing>
+</p:sld>
+</file>
+
+<file path=ppt/slides/slide7.xml><?xml version="1.0" encoding="utf-8"?>
+<p:sld xmlns:a="http://schemas.openxmlformats.org/drawingml/2006/main" xmlns:r="http://schemas.openxmlformats.org/officeDocument/2006/relationships" xmlns:p="http://schemas.openxmlformats.org/presentationml/2006/main">
+  <p:cSld>
+    <p:spTree>
+      <p:nvGrpSpPr>
+        <p:cNvPr id="1" name=""/>
+        <p:cNvGrpSpPr/>
+        <p:nvPr/>
+      </p:nvGrpSpPr>
+      <p:grpSpPr>
+        <a:xfrm>
+          <a:off x="0" y="0"/>
+          <a:ext cx="0" cy="0"/>
+          <a:chOff x="0" y="0"/>
+          <a:chExt cx="0" cy="0"/>
+        </a:xfrm>
+      </p:grpSpPr>
+      <p:pic>
+        <p:nvPicPr>
+          <p:cNvPr id="6147" name="Picture 3"/>
+          <p:cNvPicPr>
+            <a:picLocks noChangeAspect="1" noChangeArrowheads="1"/>
+          </p:cNvPicPr>
+          <p:nvPr/>
+        </p:nvPicPr>
+        <p:blipFill>
+          <a:blip r:embed="rId2"/>
+          <a:srcRect/>
+          <a:stretch>
+            <a:fillRect/>
+          </a:stretch>
+        </p:blipFill>
+        <p:spPr bwMode="auto">
+          <a:xfrm>
+            <a:off x="428596" y="4000504"/>
+            <a:ext cx="5300663" cy="2630487"/>
+          </a:xfrm>
+          <a:prstGeom prst="rect">
+            <a:avLst/>
+          </a:prstGeom>
+          <a:noFill/>
+          <a:ln w="9525">
+            <a:noFill/>
+            <a:miter lim="800000"/>
+            <a:headEnd/>
+            <a:tailEnd/>
+          </a:ln>
+          <a:effectLst/>
+        </p:spPr>
+      </p:pic>
+      <p:pic>
+        <p:nvPicPr>
+          <p:cNvPr id="6146" name="Picture 2"/>
+          <p:cNvPicPr>
+            <a:picLocks noChangeAspect="1" noChangeArrowheads="1"/>
+          </p:cNvPicPr>
+          <p:nvPr/>
+        </p:nvPicPr>
+        <p:blipFill>
+          <a:blip r:embed="rId3"/>
+          <a:stretch>
+            <a:fillRect/>
+          </a:stretch>
+        </p:blipFill>
+        <p:spPr bwMode="auto">
+          <a:xfrm>
+            <a:off x="3929058" y="1857364"/>
+            <a:ext cx="4920000" cy="2520000"/>
+          </a:xfrm>
+          <a:prstGeom prst="rect">
+            <a:avLst/>
+          </a:prstGeom>
+          <a:noFill/>
+          <a:ln>
+            <a:noFill/>
+          </a:ln>
+        </p:spPr>
+      </p:pic>
+      <p:sp>
+        <p:nvSpPr>
+          <p:cNvPr id="2" name="Title 1"/>
+          <p:cNvSpPr>
+            <a:spLocks noGrp="1"/>
+          </p:cNvSpPr>
+          <p:nvPr>
+            <p:ph type="title"/>
+          </p:nvPr>
+        </p:nvSpPr>
+        <p:spPr/>
+        <p:txBody>
+          <a:bodyPr/>
+          <a:lstStyle/>
+          <a:p>
+            <a:r>
+              <a:rPr lang="es-AR" dirty="0" smtClean="0"/>
+              <a:t>Vistas y Cámaras</a:t>
+            </a:r>
+            <a:endParaRPr lang="en-US" dirty="0"/>
+          </a:p>
+        </p:txBody>
+      </p:sp>
+      <p:sp>
+        <p:nvSpPr>
+          <p:cNvPr id="3" name="Content Placeholder 2"/>
+          <p:cNvSpPr>
+            <a:spLocks noGrp="1"/>
+          </p:cNvSpPr>
+          <p:nvPr>
+            <p:ph idx="1"/>
+          </p:nvPr>
+        </p:nvSpPr>
+        <p:spPr/>
+        <p:txBody>
+          <a:bodyPr/>
+          <a:lstStyle/>
+          <a:p>
+            <a:r>
+              <a:rPr lang="es-AR" dirty="0" smtClean="0"/>
+              <a:t>Cámara</a:t>
+            </a:r>
+          </a:p>
+          <a:p>
+            <a:pPr lvl="1"/>
+            <a:r>
+              <a:rPr lang="es-AR" dirty="0" smtClean="0"/>
+              <a:t>Posición, dirección</a:t>
+            </a:r>
+          </a:p>
+          <a:p>
+            <a:pPr lvl="1"/>
+            <a:r>
+              <a:rPr lang="es-AR" dirty="0" smtClean="0"/>
+              <a:t>Up-vector</a:t>
+            </a:r>
+          </a:p>
+          <a:p>
+            <a:r>
+              <a:rPr lang="es-AR" dirty="0" err="1" smtClean="0"/>
+              <a:t>Viewport</a:t>
+            </a:r>
+            <a:endParaRPr lang="es-AR" dirty="0" smtClean="0"/>
+          </a:p>
+          <a:p>
+            <a:r>
+              <a:rPr lang="es-AR" dirty="0" smtClean="0"/>
+              <a:t>View </a:t>
+            </a:r>
+            <a:r>
+              <a:rPr lang="es-AR" dirty="0" err="1" smtClean="0"/>
+              <a:t>frustum</a:t>
+            </a:r>
+            <a:endParaRPr lang="en-US" dirty="0"/>
+          </a:p>
+        </p:txBody>
+      </p:sp>
+    </p:spTree>
+  </p:cSld>
+  <p:clrMapOvr>
+    <a:masterClrMapping/>
+  </p:clrMapOvr>
+  <p:timing>
+    <p:tnLst>
+      <p:par>
+        <p:cTn id="1" dur="indefinite" restart="never" nodeType="tmRoot"/>
+      </p:par>
+    </p:tnLst>
+  </p:timing>
+</p:sld>
+</file>
+
+<file path=ppt/slides/slide8.xml><?xml version="1.0" encoding="utf-8"?>
+<p:sld xmlns:a="http://schemas.openxmlformats.org/drawingml/2006/main" xmlns:r="http://schemas.openxmlformats.org/officeDocument/2006/relationships" xmlns:p="http://schemas.openxmlformats.org/presentationml/2006/main">
+  <p:cSld>
+    <p:spTree>
+      <p:nvGrpSpPr>
+        <p:cNvPr id="1" name=""/>
+        <p:cNvGrpSpPr/>
+        <p:nvPr/>
+      </p:nvGrpSpPr>
+      <p:grpSpPr>
+        <a:xfrm>
+          <a:off x="0" y="0"/>
+          <a:ext cx="0" cy="0"/>
+          <a:chOff x="0" y="0"/>
+          <a:chExt cx="0" cy="0"/>
+        </a:xfrm>
+      </p:grpSpPr>
+      <p:sp>
+        <p:nvSpPr>
+          <p:cNvPr id="2" name="Title 1"/>
+          <p:cNvSpPr>
+            <a:spLocks noGrp="1"/>
+          </p:cNvSpPr>
+          <p:nvPr>
+            <p:ph type="title"/>
+          </p:nvPr>
+        </p:nvSpPr>
+        <p:spPr/>
+        <p:txBody>
+          <a:bodyPr>
+            <a:normAutofit/>
+          </a:bodyPr>
+          <a:lstStyle/>
+          <a:p>
+            <a:r>
+              <a:rPr lang="es-AR" dirty="0" err="1" smtClean="0"/>
+              <a:t>Display</a:t>
+            </a:r>
+            <a:r>
+              <a:rPr lang="es-AR" dirty="0" smtClean="0"/>
+              <a:t> de un Modelo 3D</a:t>
+            </a:r>
+            <a:endParaRPr lang="en-US" dirty="0"/>
+          </a:p>
+        </p:txBody>
+      </p:sp>
+      <p:sp>
+        <p:nvSpPr>
+          <p:cNvPr id="3" name="Content Placeholder 2"/>
+          <p:cNvSpPr>
+            <a:spLocks noGrp="1"/>
+          </p:cNvSpPr>
+          <p:nvPr>
+            <p:ph idx="1"/>
+          </p:nvPr>
+        </p:nvSpPr>
+        <p:spPr/>
+        <p:txBody>
+          <a:bodyPr/>
+          <a:lstStyle/>
+          <a:p>
+            <a:r>
+              <a:rPr lang="es-AR" dirty="0" smtClean="0"/>
+              <a:t>Coordenadas locales y globales</a:t>
+            </a:r>
+          </a:p>
+          <a:p>
+            <a:r>
+              <a:rPr lang="es-AR" dirty="0" smtClean="0"/>
+              <a:t>Transformación y proyección</a:t>
+            </a:r>
+            <a:endParaRPr lang="en-US" dirty="0"/>
+          </a:p>
+        </p:txBody>
+      </p:sp>
+      <p:pic>
+        <p:nvPicPr>
+          <p:cNvPr id="7170" name="Picture 2"/>
+          <p:cNvPicPr>
+            <a:picLocks noChangeAspect="1" noChangeArrowheads="1"/>
+          </p:cNvPicPr>
+          <p:nvPr/>
+        </p:nvPicPr>
+        <p:blipFill>
+          <a:blip r:embed="rId2"/>
+          <a:srcRect/>
+          <a:stretch>
+            <a:fillRect/>
+          </a:stretch>
+        </p:blipFill>
+        <p:spPr bwMode="auto">
+          <a:xfrm>
+            <a:off x="357158" y="3143248"/>
+            <a:ext cx="4589463" cy="2070100"/>
+          </a:xfrm>
+          <a:prstGeom prst="rect">
+            <a:avLst/>
+          </a:prstGeom>
+          <a:noFill/>
+          <a:ln w="9525">
+            <a:noFill/>
+            <a:miter lim="800000"/>
+            <a:headEnd/>
+            <a:tailEnd/>
+          </a:ln>
+          <a:effectLst/>
+        </p:spPr>
+      </p:pic>
+      <p:pic>
+        <p:nvPicPr>
+          <p:cNvPr id="7171" name="Picture 3"/>
+          <p:cNvPicPr>
+            <a:picLocks noChangeAspect="1" noChangeArrowheads="1"/>
+          </p:cNvPicPr>
+          <p:nvPr/>
+        </p:nvPicPr>
+        <p:blipFill>
+          <a:blip r:embed="rId3"/>
+          <a:srcRect/>
+          <a:stretch>
+            <a:fillRect/>
+          </a:stretch>
+        </p:blipFill>
+        <p:spPr bwMode="auto">
+          <a:xfrm>
+            <a:off x="5072066" y="3644961"/>
+            <a:ext cx="3559171" cy="2679638"/>
+          </a:xfrm>
+          <a:prstGeom prst="rect">
+            <a:avLst/>
+          </a:prstGeom>
+          <a:noFill/>
+          <a:ln w="9525">
+            <a:noFill/>
+            <a:miter lim="800000"/>
+            <a:headEnd/>
+            <a:tailEnd/>
+          </a:ln>
+          <a:effectLst/>
+        </p:spPr>
+      </p:pic>
+    </p:spTree>
+  </p:cSld>
+  <p:clrMapOvr>
+    <a:masterClrMapping/>
+  </p:clrMapOvr>
+  <p:timing>
+    <p:tnLst>
+      <p:par>
+        <p:cTn id="1" dur="indefinite" restart="never" nodeType="tmRoot"/>
+      </p:par>
+    </p:tnLst>
+  </p:timing>
+</p:sld>
+</file>
+
+<file path=ppt/slides/slide9.xml><?xml version="1.0" encoding="utf-8"?>
+<p:sld xmlns:a="http://schemas.openxmlformats.org/drawingml/2006/main" xmlns:r="http://schemas.openxmlformats.org/officeDocument/2006/relationships" xmlns:p="http://schemas.openxmlformats.org/presentationml/2006/main">
+  <p:cSld>
+    <p:spTree>
+      <p:nvGrpSpPr>
+        <p:cNvPr id="1" name=""/>
+        <p:cNvGrpSpPr/>
+        <p:nvPr/>
+      </p:nvGrpSpPr>
+      <p:grpSpPr>
+        <a:xfrm>
+          <a:off x="0" y="0"/>
+          <a:ext cx="0" cy="0"/>
+          <a:chOff x="0" y="0"/>
+          <a:chExt cx="0" cy="0"/>
+        </a:xfrm>
+      </p:grpSpPr>
+      <p:pic>
+        <p:nvPicPr>
+          <p:cNvPr id="8195" name="Picture 3"/>
+          <p:cNvPicPr>
+            <a:picLocks noChangeAspect="1" noChangeArrowheads="1"/>
+          </p:cNvPicPr>
+          <p:nvPr/>
+        </p:nvPicPr>
+        <p:blipFill>
+          <a:blip r:embed="rId2"/>
+          <a:stretch>
+            <a:fillRect/>
+          </a:stretch>
+        </p:blipFill>
+        <p:spPr bwMode="auto">
+          <a:xfrm>
+            <a:off x="4391027" y="2643182"/>
+            <a:ext cx="4752973" cy="4079111"/>
+          </a:xfrm>
+          <a:prstGeom prst="rect">
+            <a:avLst/>
+          </a:prstGeom>
+          <a:noFill/>
+          <a:ln>
+            <a:noFill/>
+          </a:ln>
+        </p:spPr>
+      </p:pic>
+      <p:sp>
+        <p:nvSpPr>
+          <p:cNvPr id="2" name="Title 1"/>
+          <p:cNvSpPr>
+            <a:spLocks noGrp="1"/>
+          </p:cNvSpPr>
+          <p:nvPr>
+            <p:ph type="title"/>
+          </p:nvPr>
+        </p:nvSpPr>
+        <p:spPr/>
+        <p:txBody>
+          <a:bodyPr/>
+          <a:lstStyle/>
+          <a:p>
+            <a:r>
+              <a:rPr lang="es-AR" dirty="0" smtClean="0"/>
+              <a:t>Transformaciones</a:t>
+            </a:r>
+            <a:endParaRPr lang="en-US" dirty="0"/>
+          </a:p>
+        </p:txBody>
+      </p:sp>
+      <p:sp>
+        <p:nvSpPr>
+          <p:cNvPr id="3" name="Content Placeholder 2"/>
+          <p:cNvSpPr>
+            <a:spLocks noGrp="1"/>
+          </p:cNvSpPr>
+          <p:nvPr>
+            <p:ph idx="1"/>
+          </p:nvPr>
+        </p:nvSpPr>
+        <p:spPr/>
+        <p:txBody>
+          <a:bodyPr/>
+          <a:lstStyle/>
+          <a:p>
+            <a:r>
+              <a:rPr lang="es-AR" dirty="0" smtClean="0"/>
+              <a:t>Traslación, rotación y escala</a:t>
+            </a:r>
+          </a:p>
+          <a:p>
+            <a:r>
+              <a:rPr lang="es-AR" dirty="0" smtClean="0"/>
+              <a:t>Transformaciones afines (</a:t>
+            </a:r>
+            <a:r>
+              <a:rPr lang="es-AR" dirty="0" err="1" smtClean="0"/>
+              <a:t>Affine</a:t>
+            </a:r>
+            <a:r>
+              <a:rPr lang="es-AR" dirty="0" smtClean="0"/>
+              <a:t> </a:t>
+            </a:r>
+            <a:r>
+              <a:rPr lang="es-AR" dirty="0" err="1" smtClean="0"/>
+              <a:t>Transform</a:t>
+            </a:r>
+            <a:r>
+              <a:rPr lang="es-AR" dirty="0" smtClean="0"/>
+              <a:t>)</a:t>
+            </a:r>
+            <a:endParaRPr lang="en-US" dirty="0"/>
+          </a:p>
+        </p:txBody>
+      </p:sp>
+      <p:pic>
+        <p:nvPicPr>
+          <p:cNvPr id="8196" name="Picture 4"/>
+          <p:cNvPicPr>
+            <a:picLocks noChangeAspect="1" noChangeArrowheads="1"/>
+          </p:cNvPicPr>
+          <p:nvPr/>
+        </p:nvPicPr>
+        <p:blipFill>
+          <a:blip r:embed="rId3"/>
+          <a:srcRect/>
+          <a:stretch>
+            <a:fillRect/>
+          </a:stretch>
+        </p:blipFill>
+        <p:spPr bwMode="auto">
+          <a:xfrm>
+            <a:off x="142844" y="3000372"/>
+            <a:ext cx="3871262" cy="1571636"/>
+          </a:xfrm>
+          <a:prstGeom prst="rect">
+            <a:avLst/>
+          </a:prstGeom>
+          <a:noFill/>
+          <a:ln w="9525">
+            <a:noFill/>
+            <a:miter lim="800000"/>
+            <a:headEnd/>
+            <a:tailEnd/>
+          </a:ln>
+          <a:effectLst/>
+        </p:spPr>
+      </p:pic>
+      <p:pic>
+        <p:nvPicPr>
+          <p:cNvPr id="8197" name="Picture 5"/>
+          <p:cNvPicPr>
+            <a:picLocks noChangeAspect="1" noChangeArrowheads="1"/>
+          </p:cNvPicPr>
+          <p:nvPr/>
+        </p:nvPicPr>
+        <p:blipFill>
+          <a:blip r:embed="rId4"/>
+          <a:srcRect/>
+          <a:stretch>
+            <a:fillRect/>
+          </a:stretch>
+        </p:blipFill>
+        <p:spPr bwMode="auto">
+          <a:xfrm>
+            <a:off x="1357290" y="4714884"/>
+            <a:ext cx="2500330" cy="1451877"/>
+          </a:xfrm>
+          <a:prstGeom prst="rect">
+            <a:avLst/>
+          </a:prstGeom>
+          <a:noFill/>
+          <a:ln w="9525">
+            <a:noFill/>
+            <a:miter lim="800000"/>
+            <a:headEnd/>
+            <a:tailEnd/>
+          </a:ln>
+          <a:effectLst/>
+        </p:spPr>
+      </p:pic>
+    </p:spTree>
+  </p:cSld>
+  <p:clrMapOvr>
+    <a:masterClrMapping/>
+  </p:clrMapOvr>
+  <p:timing>
+    <p:tnLst>
+      <p:par>
+        <p:cTn id="1" dur="indefinite" restart="never" nodeType="tmRoot"/>
+      </p:par>
+    </p:tnLst>
+  </p:timing>
 </p:sld>
 </file>
 
@@ -4445,4 +7652,287 @@
   <a:objectDefaults/>
   <a:extraClrSchemeLst/>
 </a:theme>
+</file>
+
+<file path=ppt/theme/theme2.xml><?xml version="1.0" encoding="utf-8"?>
+<a:theme xmlns:a="http://schemas.openxmlformats.org/drawingml/2006/main" name="Office Theme">
+  <a:themeElements>
+    <a:clrScheme name="Office">
+      <a:dk1>
+        <a:sysClr val="windowText" lastClr="000000"/>
+      </a:dk1>
+      <a:lt1>
+        <a:sysClr val="window" lastClr="FFFFFF"/>
+      </a:lt1>
+      <a:dk2>
+        <a:srgbClr val="1F497D"/>
+      </a:dk2>
+      <a:lt2>
+        <a:srgbClr val="EEECE1"/>
+      </a:lt2>
+      <a:accent1>
+        <a:srgbClr val="4F81BD"/>
+      </a:accent1>
+      <a:accent2>
+        <a:srgbClr val="C0504D"/>
+      </a:accent2>
+      <a:accent3>
+        <a:srgbClr val="9BBB59"/>
+      </a:accent3>
+      <a:accent4>
+        <a:srgbClr val="8064A2"/>
+      </a:accent4>
+      <a:accent5>
+        <a:srgbClr val="4BACC6"/>
+      </a:accent5>
+      <a:accent6>
+        <a:srgbClr val="F79646"/>
+      </a:accent6>
+      <a:hlink>
+        <a:srgbClr val="0000FF"/>
+      </a:hlink>
+      <a:folHlink>
+        <a:srgbClr val="800080"/>
+      </a:folHlink>
+    </a:clrScheme>
+    <a:fontScheme name="Office">
+      <a:majorFont>
+        <a:latin typeface="Calibri"/>
+        <a:ea typeface=""/>
+        <a:cs typeface=""/>
+        <a:font script="Jpan" typeface="ＭＳ Ｐゴシック"/>
+        <a:font script="Hang" typeface="맑은 고딕"/>
+        <a:font script="Hans" typeface="宋体"/>
+        <a:font script="Hant" typeface="新細明體"/>
+        <a:font script="Arab" typeface="Times New Roman"/>
+        <a:font script="Hebr" typeface="Times New Roman"/>
+        <a:font script="Thai" typeface="Angsana New"/>
+        <a:font script="Ethi" typeface="Nyala"/>
+        <a:font script="Beng" typeface="Vrinda"/>
+        <a:font script="Gujr" typeface="Shruti"/>
+        <a:font script="Khmr" typeface="MoolBoran"/>
+        <a:font script="Knda" typeface="Tunga"/>
+        <a:font script="Guru" typeface="Raavi"/>
+        <a:font script="Cans" typeface="Euphemia"/>
+        <a:font script="Cher" typeface="Plantagenet Cherokee"/>
+        <a:font script="Yiii" typeface="Microsoft Yi Baiti"/>
+        <a:font script="Tibt" typeface="Microsoft Himalaya"/>
+        <a:font script="Thaa" typeface="MV Boli"/>
+        <a:font script="Deva" typeface="Mangal"/>
+        <a:font script="Telu" typeface="Gautami"/>
+        <a:font script="Taml" typeface="Latha"/>
+        <a:font script="Syrc" typeface="Estrangelo Edessa"/>
+        <a:font script="Orya" typeface="Kalinga"/>
+        <a:font script="Mlym" typeface="Kartika"/>
+        <a:font script="Laoo" typeface="DokChampa"/>
+        <a:font script="Sinh" typeface="Iskoola Pota"/>
+        <a:font script="Mong" typeface="Mongolian Baiti"/>
+        <a:font script="Viet" typeface="Times New Roman"/>
+        <a:font script="Uigh" typeface="Microsoft Uighur"/>
+      </a:majorFont>
+      <a:minorFont>
+        <a:latin typeface="Calibri"/>
+        <a:ea typeface=""/>
+        <a:cs typeface=""/>
+        <a:font script="Jpan" typeface="ＭＳ Ｐゴシック"/>
+        <a:font script="Hang" typeface="맑은 고딕"/>
+        <a:font script="Hans" typeface="宋体"/>
+        <a:font script="Hant" typeface="新細明體"/>
+        <a:font script="Arab" typeface="Arial"/>
+        <a:font script="Hebr" typeface="Arial"/>
+        <a:font script="Thai" typeface="Cordia New"/>
+        <a:font script="Ethi" typeface="Nyala"/>
+        <a:font script="Beng" typeface="Vrinda"/>
+        <a:font script="Gujr" typeface="Shruti"/>
+        <a:font script="Khmr" typeface="DaunPenh"/>
+        <a:font script="Knda" typeface="Tunga"/>
+        <a:font script="Guru" typeface="Raavi"/>
+        <a:font script="Cans" typeface="Euphemia"/>
+        <a:font script="Cher" typeface="Plantagenet Cherokee"/>
+        <a:font script="Yiii" typeface="Microsoft Yi Baiti"/>
+        <a:font script="Tibt" typeface="Microsoft Himalaya"/>
+        <a:font script="Thaa" typeface="MV Boli"/>
+        <a:font script="Deva" typeface="Mangal"/>
+        <a:font script="Telu" typeface="Gautami"/>
+        <a:font script="Taml" typeface="Latha"/>
+        <a:font script="Syrc" typeface="Estrangelo Edessa"/>
+        <a:font script="Orya" typeface="Kalinga"/>
+        <a:font script="Mlym" typeface="Kartika"/>
+        <a:font script="Laoo" typeface="DokChampa"/>
+        <a:font script="Sinh" typeface="Iskoola Pota"/>
+        <a:font script="Mong" typeface="Mongolian Baiti"/>
+        <a:font script="Viet" typeface="Arial"/>
+        <a:font script="Uigh" typeface="Microsoft Uighur"/>
+      </a:minorFont>
+    </a:fontScheme>
+    <a:fmtScheme name="Office">
+      <a:fillStyleLst>
+        <a:solidFill>
+          <a:schemeClr val="phClr"/>
+        </a:solidFill>
+        <a:gradFill rotWithShape="1">
+          <a:gsLst>
+            <a:gs pos="0">
+              <a:schemeClr val="phClr">
+                <a:tint val="50000"/>
+                <a:satMod val="300000"/>
+              </a:schemeClr>
+            </a:gs>
+            <a:gs pos="35000">
+              <a:schemeClr val="phClr">
+                <a:tint val="37000"/>
+                <a:satMod val="300000"/>
+              </a:schemeClr>
+            </a:gs>
+            <a:gs pos="100000">
+              <a:schemeClr val="phClr">
+                <a:tint val="15000"/>
+                <a:satMod val="350000"/>
+              </a:schemeClr>
+            </a:gs>
+          </a:gsLst>
+          <a:lin ang="16200000" scaled="1"/>
+        </a:gradFill>
+        <a:gradFill rotWithShape="1">
+          <a:gsLst>
+            <a:gs pos="0">
+              <a:schemeClr val="phClr">
+                <a:shade val="51000"/>
+                <a:satMod val="130000"/>
+              </a:schemeClr>
+            </a:gs>
+            <a:gs pos="80000">
+              <a:schemeClr val="phClr">
+                <a:shade val="93000"/>
+                <a:satMod val="130000"/>
+              </a:schemeClr>
+            </a:gs>
+            <a:gs pos="100000">
+              <a:schemeClr val="phClr">
+                <a:shade val="94000"/>
+                <a:satMod val="135000"/>
+              </a:schemeClr>
+            </a:gs>
+          </a:gsLst>
+          <a:lin ang="16200000" scaled="0"/>
+        </a:gradFill>
+      </a:fillStyleLst>
+      <a:lnStyleLst>
+        <a:ln w="9525" cap="flat" cmpd="sng" algn="ctr">
+          <a:solidFill>
+            <a:schemeClr val="phClr">
+              <a:shade val="95000"/>
+              <a:satMod val="105000"/>
+            </a:schemeClr>
+          </a:solidFill>
+          <a:prstDash val="solid"/>
+        </a:ln>
+        <a:ln w="25400" cap="flat" cmpd="sng" algn="ctr">
+          <a:solidFill>
+            <a:schemeClr val="phClr"/>
+          </a:solidFill>
+          <a:prstDash val="solid"/>
+        </a:ln>
+        <a:ln w="38100" cap="flat" cmpd="sng" algn="ctr">
+          <a:solidFill>
+            <a:schemeClr val="phClr"/>
+          </a:solidFill>
+          <a:prstDash val="solid"/>
+        </a:ln>
+      </a:lnStyleLst>
+      <a:effectStyleLst>
+        <a:effectStyle>
+          <a:effectLst>
+            <a:outerShdw blurRad="40000" dist="20000" dir="5400000" rotWithShape="0">
+              <a:srgbClr val="000000">
+                <a:alpha val="38000"/>
+              </a:srgbClr>
+            </a:outerShdw>
+          </a:effectLst>
+        </a:effectStyle>
+        <a:effectStyle>
+          <a:effectLst>
+            <a:outerShdw blurRad="40000" dist="23000" dir="5400000" rotWithShape="0">
+              <a:srgbClr val="000000">
+                <a:alpha val="35000"/>
+              </a:srgbClr>
+            </a:outerShdw>
+          </a:effectLst>
+        </a:effectStyle>
+        <a:effectStyle>
+          <a:effectLst>
+            <a:outerShdw blurRad="40000" dist="23000" dir="5400000" rotWithShape="0">
+              <a:srgbClr val="000000">
+                <a:alpha val="35000"/>
+              </a:srgbClr>
+            </a:outerShdw>
+          </a:effectLst>
+          <a:scene3d>
+            <a:camera prst="orthographicFront">
+              <a:rot lat="0" lon="0" rev="0"/>
+            </a:camera>
+            <a:lightRig rig="threePt" dir="t">
+              <a:rot lat="0" lon="0" rev="1200000"/>
+            </a:lightRig>
+          </a:scene3d>
+          <a:sp3d>
+            <a:bevelT w="63500" h="25400"/>
+          </a:sp3d>
+        </a:effectStyle>
+      </a:effectStyleLst>
+      <a:bgFillStyleLst>
+        <a:solidFill>
+          <a:schemeClr val="phClr"/>
+        </a:solidFill>
+        <a:gradFill rotWithShape="1">
+          <a:gsLst>
+            <a:gs pos="0">
+              <a:schemeClr val="phClr">
+                <a:tint val="40000"/>
+                <a:satMod val="350000"/>
+              </a:schemeClr>
+            </a:gs>
+            <a:gs pos="40000">
+              <a:schemeClr val="phClr">
+                <a:tint val="45000"/>
+                <a:shade val="99000"/>
+                <a:satMod val="350000"/>
+              </a:schemeClr>
+            </a:gs>
+            <a:gs pos="100000">
+              <a:schemeClr val="phClr">
+                <a:shade val="20000"/>
+                <a:satMod val="255000"/>
+              </a:schemeClr>
+            </a:gs>
+          </a:gsLst>
+          <a:path path="circle">
+            <a:fillToRect l="50000" t="-80000" r="50000" b="180000"/>
+          </a:path>
+        </a:gradFill>
+        <a:gradFill rotWithShape="1">
+          <a:gsLst>
+            <a:gs pos="0">
+              <a:schemeClr val="phClr">
+                <a:tint val="80000"/>
+                <a:satMod val="300000"/>
+              </a:schemeClr>
+            </a:gs>
+            <a:gs pos="100000">
+              <a:schemeClr val="phClr">
+                <a:shade val="30000"/>
+                <a:satMod val="200000"/>
+              </a:schemeClr>
+            </a:gs>
+          </a:gsLst>
+          <a:path path="circle">
+            <a:fillToRect l="50000" t="50000" r="50000" b="50000"/>
+          </a:path>
+        </a:gradFill>
+      </a:bgFillStyleLst>
+    </a:fmtScheme>
+  </a:themeElements>
+  <a:objectDefaults/>
+  <a:extraClrSchemeLst/>
+</a:theme>
 </file>
--- a/teoria/j3dEngine_chapter2.pptx
+++ b/teoria/j3dEngine_chapter2.pptx
@@ -5,7 +5,7 @@
     <p:sldMasterId id="2147483696" r:id="rId1"/>
   </p:sldMasterIdLst>
   <p:notesMasterIdLst>
-    <p:notesMasterId r:id="rId20"/>
+    <p:notesMasterId r:id="rId21"/>
   </p:notesMasterIdLst>
   <p:sldIdLst>
     <p:sldId id="256" r:id="rId2"/>
@@ -26,6 +26,7 @@
     <p:sldId id="273" r:id="rId17"/>
     <p:sldId id="274" r:id="rId18"/>
     <p:sldId id="275" r:id="rId19"/>
+    <p:sldId id="276" r:id="rId20"/>
   </p:sldIdLst>
   <p:sldSz cx="9144000" cy="6858000" type="screen4x3"/>
   <p:notesSz cx="6858000" cy="9144000"/>
@@ -209,7 +210,8 @@
           <a:p>
             <a:fld id="{016812C2-A8AF-4744-8062-0CC3280E3ED1}" type="datetimeFigureOut">
               <a:rPr lang="en-US" smtClean="0"/>
-              <a:t>3/27/2007</a:t>
+              <a:pPr/>
+              <a:t>3/28/2007</a:t>
             </a:fld>
             <a:endParaRPr lang="en-US"/>
           </a:p>
@@ -370,6 +372,7 @@
           <a:p>
             <a:fld id="{D63B32DD-A893-4EA8-98D8-80D8D2C857A6}" type="slidenum">
               <a:rPr lang="en-US" smtClean="0"/>
+              <a:pPr/>
               <a:t>‹#›</a:t>
             </a:fld>
             <a:endParaRPr lang="en-US"/>
@@ -723,7 +726,7 @@
             <a:fld id="{3047E67A-D6CF-401E-8E00-3E8CFFC70C48}" type="datetimeFigureOut">
               <a:rPr lang="en-US" smtClean="0"/>
               <a:pPr/>
-              <a:t>3/27/2007</a:t>
+              <a:t>3/28/2007</a:t>
             </a:fld>
             <a:endParaRPr lang="en-US"/>
           </a:p>
@@ -948,7 +951,7 @@
             <a:fld id="{3047E67A-D6CF-401E-8E00-3E8CFFC70C48}" type="datetimeFigureOut">
               <a:rPr lang="en-US" smtClean="0"/>
               <a:pPr/>
-              <a:t>3/27/2007</a:t>
+              <a:t>3/28/2007</a:t>
             </a:fld>
             <a:endParaRPr lang="en-US"/>
           </a:p>
@@ -1230,7 +1233,7 @@
             <a:fld id="{3047E67A-D6CF-401E-8E00-3E8CFFC70C48}" type="datetimeFigureOut">
               <a:rPr lang="en-US" smtClean="0"/>
               <a:pPr/>
-              <a:t>3/27/2007</a:t>
+              <a:t>3/28/2007</a:t>
             </a:fld>
             <a:endParaRPr lang="en-US"/>
           </a:p>
@@ -1411,7 +1414,7 @@
             <a:fld id="{3047E67A-D6CF-401E-8E00-3E8CFFC70C48}" type="datetimeFigureOut">
               <a:rPr lang="en-US" smtClean="0"/>
               <a:pPr/>
-              <a:t>3/27/2007</a:t>
+              <a:t>3/28/2007</a:t>
             </a:fld>
             <a:endParaRPr lang="en-US"/>
           </a:p>
@@ -1771,7 +1774,7 @@
             <a:fld id="{3047E67A-D6CF-401E-8E00-3E8CFFC70C48}" type="datetimeFigureOut">
               <a:rPr lang="en-US" smtClean="0"/>
               <a:pPr/>
-              <a:t>3/27/2007</a:t>
+              <a:t>3/28/2007</a:t>
             </a:fld>
             <a:endParaRPr lang="en-US"/>
           </a:p>
@@ -2060,7 +2063,7 @@
             <a:fld id="{3047E67A-D6CF-401E-8E00-3E8CFFC70C48}" type="datetimeFigureOut">
               <a:rPr lang="en-US" smtClean="0"/>
               <a:pPr/>
-              <a:t>3/27/2007</a:t>
+              <a:t>3/28/2007</a:t>
             </a:fld>
             <a:endParaRPr lang="en-US"/>
           </a:p>
@@ -2484,7 +2487,7 @@
             <a:fld id="{3047E67A-D6CF-401E-8E00-3E8CFFC70C48}" type="datetimeFigureOut">
               <a:rPr lang="en-US" smtClean="0"/>
               <a:pPr/>
-              <a:t>3/27/2007</a:t>
+              <a:t>3/28/2007</a:t>
             </a:fld>
             <a:endParaRPr lang="en-US"/>
           </a:p>
@@ -2601,7 +2604,7 @@
             <a:fld id="{3047E67A-D6CF-401E-8E00-3E8CFFC70C48}" type="datetimeFigureOut">
               <a:rPr lang="en-US" smtClean="0"/>
               <a:pPr/>
-              <a:t>3/27/2007</a:t>
+              <a:t>3/28/2007</a:t>
             </a:fld>
             <a:endParaRPr lang="en-US"/>
           </a:p>
@@ -2693,7 +2696,7 @@
             <a:fld id="{3047E67A-D6CF-401E-8E00-3E8CFFC70C48}" type="datetimeFigureOut">
               <a:rPr lang="en-US" smtClean="0"/>
               <a:pPr/>
-              <a:t>3/27/2007</a:t>
+              <a:t>3/28/2007</a:t>
             </a:fld>
             <a:endParaRPr lang="en-US"/>
           </a:p>
@@ -2973,7 +2976,7 @@
             <a:fld id="{3047E67A-D6CF-401E-8E00-3E8CFFC70C48}" type="datetimeFigureOut">
               <a:rPr lang="en-US" smtClean="0"/>
               <a:pPr/>
-              <a:t>3/27/2007</a:t>
+              <a:t>3/28/2007</a:t>
             </a:fld>
             <a:endParaRPr lang="en-US"/>
           </a:p>
@@ -3341,7 +3344,7 @@
             <a:fld id="{3047E67A-D6CF-401E-8E00-3E8CFFC70C48}" type="datetimeFigureOut">
               <a:rPr lang="en-US" smtClean="0"/>
               <a:pPr/>
-              <a:t>3/27/2007</a:t>
+              <a:t>3/28/2007</a:t>
             </a:fld>
             <a:endParaRPr lang="en-US"/>
           </a:p>
@@ -3780,7 +3783,7 @@
             <a:fld id="{3047E67A-D6CF-401E-8E00-3E8CFFC70C48}" type="datetimeFigureOut">
               <a:rPr lang="en-US" smtClean="0"/>
               <a:pPr/>
-              <a:t>3/27/2007</a:t>
+              <a:t>3/28/2007</a:t>
             </a:fld>
             <a:endParaRPr lang="en-US"/>
           </a:p>
@@ -5339,11 +5342,7 @@
             </a:r>
             <a:r>
               <a:rPr lang="es-AR" dirty="0" err="1" smtClean="0"/>
-              <a:t>T</a:t>
-            </a:r>
-            <a:r>
-              <a:rPr lang="es-AR" dirty="0" err="1" smtClean="0"/>
-              <a:t>exturing</a:t>
+              <a:t>Texturing</a:t>
             </a:r>
             <a:r>
               <a:rPr lang="es-AR" dirty="0" smtClean="0"/>
@@ -5943,7 +5942,7 @@
           <a:p>
             <a:r>
               <a:rPr lang="es-AR" dirty="0" smtClean="0"/>
-              <a:t>Texturas</a:t>
+              <a:t>Texturas y Materiales</a:t>
             </a:r>
             <a:endParaRPr lang="en-US" dirty="0"/>
           </a:p>
@@ -5964,10 +5963,79 @@
           <a:bodyPr/>
           <a:lstStyle/>
           <a:p>
-            <a:endParaRPr lang="en-US"/>
-          </a:p>
-        </p:txBody>
-      </p:sp>
+            <a:r>
+              <a:rPr lang="es-AR" dirty="0" smtClean="0"/>
+              <a:t>Mapeo de Texturas</a:t>
+            </a:r>
+          </a:p>
+        </p:txBody>
+      </p:sp>
+      <p:pic>
+        <p:nvPicPr>
+          <p:cNvPr id="1026" name="Picture 2"/>
+          <p:cNvPicPr>
+            <a:picLocks noChangeAspect="1" noChangeArrowheads="1"/>
+          </p:cNvPicPr>
+          <p:nvPr/>
+        </p:nvPicPr>
+        <p:blipFill>
+          <a:blip r:embed="rId2"/>
+          <a:srcRect/>
+          <a:stretch>
+            <a:fillRect/>
+          </a:stretch>
+        </p:blipFill>
+        <p:spPr bwMode="auto">
+          <a:xfrm>
+            <a:off x="4929190" y="1785926"/>
+            <a:ext cx="3959225" cy="1970087"/>
+          </a:xfrm>
+          <a:prstGeom prst="rect">
+            <a:avLst/>
+          </a:prstGeom>
+          <a:noFill/>
+          <a:ln w="9525">
+            <a:noFill/>
+            <a:miter lim="800000"/>
+            <a:headEnd/>
+            <a:tailEnd/>
+          </a:ln>
+          <a:effectLst/>
+        </p:spPr>
+      </p:pic>
+      <p:pic>
+        <p:nvPicPr>
+          <p:cNvPr id="1027" name="Picture 3"/>
+          <p:cNvPicPr>
+            <a:picLocks noChangeAspect="1" noChangeArrowheads="1"/>
+          </p:cNvPicPr>
+          <p:nvPr/>
+        </p:nvPicPr>
+        <p:blipFill>
+          <a:blip r:embed="rId3"/>
+          <a:srcRect/>
+          <a:stretch>
+            <a:fillRect/>
+          </a:stretch>
+        </p:blipFill>
+        <p:spPr bwMode="auto">
+          <a:xfrm>
+            <a:off x="571472" y="2643182"/>
+            <a:ext cx="3892889" cy="3571900"/>
+          </a:xfrm>
+          <a:prstGeom prst="rect">
+            <a:avLst/>
+          </a:prstGeom>
+          <a:noFill/>
+          <a:ln w="9525">
+            <a:noFill/>
+            <a:miter lim="800000"/>
+            <a:headEnd/>
+            <a:tailEnd/>
+          </a:ln>
+          <a:effectLst/>
+        </p:spPr>
+      </p:pic>
     </p:spTree>
   </p:cSld>
   <p:clrMapOvr>
@@ -5980,6 +6048,73 @@
       </p:par>
     </p:tnLst>
   </p:timing>
+</p:sld>
+</file>
+
+<file path=ppt/slides/slide19.xml><?xml version="1.0" encoding="utf-8"?>
+<p:sld xmlns:a="http://schemas.openxmlformats.org/drawingml/2006/main" xmlns:r="http://schemas.openxmlformats.org/officeDocument/2006/relationships" xmlns:p="http://schemas.openxmlformats.org/presentationml/2006/main">
+  <p:cSld>
+    <p:spTree>
+      <p:nvGrpSpPr>
+        <p:cNvPr id="1" name=""/>
+        <p:cNvGrpSpPr/>
+        <p:nvPr/>
+      </p:nvGrpSpPr>
+      <p:grpSpPr>
+        <a:xfrm>
+          <a:off x="0" y="0"/>
+          <a:ext cx="0" cy="0"/>
+          <a:chOff x="0" y="0"/>
+          <a:chExt cx="0" cy="0"/>
+        </a:xfrm>
+      </p:grpSpPr>
+      <p:sp>
+        <p:nvSpPr>
+          <p:cNvPr id="2" name="Title 1"/>
+          <p:cNvSpPr>
+            <a:spLocks noGrp="1"/>
+          </p:cNvSpPr>
+          <p:nvPr>
+            <p:ph type="title"/>
+          </p:nvPr>
+        </p:nvSpPr>
+        <p:spPr/>
+        <p:txBody>
+          <a:bodyPr/>
+          <a:lstStyle/>
+          <a:p>
+            <a:r>
+              <a:rPr lang="es-AR" dirty="0" smtClean="0"/>
+              <a:t>Texturas y Materiales</a:t>
+            </a:r>
+            <a:endParaRPr lang="en-US" dirty="0"/>
+          </a:p>
+        </p:txBody>
+      </p:sp>
+      <p:sp>
+        <p:nvSpPr>
+          <p:cNvPr id="3" name="Content Placeholder 2"/>
+          <p:cNvSpPr>
+            <a:spLocks noGrp="1"/>
+          </p:cNvSpPr>
+          <p:nvPr>
+            <p:ph idx="1"/>
+          </p:nvPr>
+        </p:nvSpPr>
+        <p:spPr/>
+        <p:txBody>
+          <a:bodyPr/>
+          <a:lstStyle/>
+          <a:p>
+            <a:endParaRPr lang="en-US"/>
+          </a:p>
+        </p:txBody>
+      </p:sp>
+    </p:spTree>
+  </p:cSld>
+  <p:clrMapOvr>
+    <a:masterClrMapping/>
+  </p:clrMapOvr>
 </p:sld>
 </file>
 

--- a/teoria/j3dEngine_chapter2.pptx
+++ b/teoria/j3dEngine_chapter2.pptx
@@ -5,10 +5,10 @@
     <p:sldMasterId id="2147483696" r:id="rId1"/>
   </p:sldMasterIdLst>
   <p:notesMasterIdLst>
-    <p:notesMasterId r:id="rId21"/>
+    <p:notesMasterId r:id="rId23"/>
   </p:notesMasterIdLst>
   <p:sldIdLst>
-    <p:sldId id="256" r:id="rId2"/>
+    <p:sldId id="279" r:id="rId2"/>
     <p:sldId id="259" r:id="rId3"/>
     <p:sldId id="260" r:id="rId4"/>
     <p:sldId id="261" r:id="rId5"/>
@@ -27,6 +27,8 @@
     <p:sldId id="274" r:id="rId18"/>
     <p:sldId id="275" r:id="rId19"/>
     <p:sldId id="276" r:id="rId20"/>
+    <p:sldId id="277" r:id="rId21"/>
+    <p:sldId id="278" r:id="rId22"/>
   </p:sldIdLst>
   <p:sldSz cx="9144000" cy="6858000" type="screen4x3"/>
   <p:notesSz cx="6858000" cy="9144000"/>
@@ -4192,169 +4194,35 @@
       </p:grpSpPr>
       <p:sp>
         <p:nvSpPr>
-          <p:cNvPr id="2" name="Title 1"/>
-          <p:cNvSpPr>
-            <a:spLocks noGrp="1"/>
-          </p:cNvSpPr>
-          <p:nvPr>
-            <p:ph type="ctrTitle"/>
-          </p:nvPr>
-        </p:nvSpPr>
-        <p:spPr>
-          <a:xfrm>
-            <a:off x="642910" y="4500570"/>
-            <a:ext cx="7772400" cy="898521"/>
-          </a:xfrm>
-        </p:spPr>
-        <p:txBody>
-          <a:bodyPr>
-            <a:normAutofit/>
-          </a:bodyPr>
-          <a:lstStyle/>
-          <a:p>
-            <a:r>
-              <a:rPr lang="es-AR" cap="none" dirty="0" smtClean="0">
-                <a:ln w="12700">
-                  <a:solidFill>
-                    <a:schemeClr val="tx2">
-                      <a:satMod val="155000"/>
-                    </a:schemeClr>
-                  </a:solidFill>
-                  <a:prstDash val="solid"/>
-                </a:ln>
-                <a:solidFill>
-                  <a:schemeClr val="bg2">
-                    <a:tint val="85000"/>
-                    <a:satMod val="155000"/>
-                  </a:schemeClr>
-                </a:solidFill>
-                <a:effectLst>
-                  <a:outerShdw blurRad="50800" dist="38100" dir="2700000" algn="tl" rotWithShape="0">
-                    <a:prstClr val="black">
-                      <a:alpha val="40000"/>
-                    </a:prstClr>
-                  </a:outerShdw>
-                </a:effectLst>
-                <a:latin typeface="Trebuchet MS" pitchFamily="34" charset="0"/>
-              </a:rPr>
-              <a:t>3D </a:t>
-            </a:r>
-            <a:r>
-              <a:rPr lang="es-AR" cap="none" dirty="0" err="1" smtClean="0">
-                <a:ln w="12700">
-                  <a:solidFill>
-                    <a:schemeClr val="tx2">
-                      <a:satMod val="155000"/>
-                    </a:schemeClr>
-                  </a:solidFill>
-                  <a:prstDash val="solid"/>
-                </a:ln>
-                <a:solidFill>
-                  <a:schemeClr val="bg2">
-                    <a:tint val="85000"/>
-                    <a:satMod val="155000"/>
-                  </a:schemeClr>
-                </a:solidFill>
-                <a:effectLst>
-                  <a:outerShdw blurRad="50800" dist="38100" dir="2700000" algn="tl" rotWithShape="0">
-                    <a:prstClr val="black">
-                      <a:alpha val="40000"/>
-                    </a:prstClr>
-                  </a:outerShdw>
-                </a:effectLst>
-                <a:latin typeface="Trebuchet MS" pitchFamily="34" charset="0"/>
-              </a:rPr>
-              <a:t>Game</a:t>
-            </a:r>
-            <a:r>
-              <a:rPr lang="es-AR" cap="none" dirty="0" smtClean="0">
-                <a:ln w="12700">
-                  <a:solidFill>
-                    <a:schemeClr val="tx2">
-                      <a:satMod val="155000"/>
-                    </a:schemeClr>
-                  </a:solidFill>
-                  <a:prstDash val="solid"/>
-                </a:ln>
-                <a:solidFill>
-                  <a:schemeClr val="bg2">
-                    <a:tint val="85000"/>
-                    <a:satMod val="155000"/>
-                  </a:schemeClr>
-                </a:solidFill>
-                <a:effectLst>
-                  <a:outerShdw blurRad="50800" dist="38100" dir="2700000" algn="tl" rotWithShape="0">
-                    <a:prstClr val="black">
-                      <a:alpha val="40000"/>
-                    </a:prstClr>
-                  </a:outerShdw>
-                </a:effectLst>
-                <a:latin typeface="Trebuchet MS" pitchFamily="34" charset="0"/>
-              </a:rPr>
-              <a:t> </a:t>
-            </a:r>
-            <a:r>
-              <a:rPr lang="es-AR" cap="none" dirty="0" err="1" smtClean="0">
-                <a:ln w="12700">
-                  <a:solidFill>
-                    <a:schemeClr val="tx2">
-                      <a:satMod val="155000"/>
-                    </a:schemeClr>
-                  </a:solidFill>
-                  <a:prstDash val="solid"/>
-                </a:ln>
-                <a:solidFill>
-                  <a:schemeClr val="bg2">
-                    <a:tint val="85000"/>
-                    <a:satMod val="155000"/>
-                  </a:schemeClr>
-                </a:solidFill>
-                <a:effectLst>
-                  <a:outerShdw blurRad="50800" dist="38100" dir="2700000" algn="tl" rotWithShape="0">
-                    <a:prstClr val="black">
-                      <a:alpha val="40000"/>
-                    </a:prstClr>
-                  </a:outerShdw>
-                </a:effectLst>
-                <a:latin typeface="Trebuchet MS" pitchFamily="34" charset="0"/>
-              </a:rPr>
-              <a:t>Programming</a:t>
-            </a:r>
-            <a:endParaRPr lang="en-US" cap="none" dirty="0">
-              <a:ln w="12700">
-                <a:solidFill>
-                  <a:schemeClr val="tx2">
-                    <a:satMod val="155000"/>
-                  </a:schemeClr>
-                </a:solidFill>
-                <a:prstDash val="solid"/>
-              </a:ln>
-              <a:solidFill>
-                <a:schemeClr val="bg2">
-                  <a:tint val="85000"/>
-                  <a:satMod val="155000"/>
-                </a:schemeClr>
-              </a:solidFill>
-              <a:effectLst>
-                <a:outerShdw blurRad="50800" dist="38100" dir="2700000" algn="tl" rotWithShape="0">
-                  <a:prstClr val="black">
-                    <a:alpha val="40000"/>
-                  </a:prstClr>
-                </a:outerShdw>
-              </a:effectLst>
-              <a:latin typeface="Trebuchet MS" pitchFamily="34" charset="0"/>
-            </a:endParaRPr>
-          </a:p>
-        </p:txBody>
-      </p:sp>
-      <p:sp>
-        <p:nvSpPr>
-          <p:cNvPr id="5" name="Subtitle 4"/>
-          <p:cNvSpPr>
-            <a:spLocks noGrp="1"/>
-          </p:cNvSpPr>
-          <p:nvPr>
-            <p:ph type="subTitle" idx="1"/>
+          <p:cNvPr id="4" name="Title 3"/>
+          <p:cNvSpPr>
+            <a:spLocks noGrp="1"/>
+          </p:cNvSpPr>
+          <p:nvPr>
+            <p:ph type="title"/>
+          </p:nvPr>
+        </p:nvSpPr>
+        <p:spPr/>
+        <p:txBody>
+          <a:bodyPr/>
+          <a:lstStyle/>
+          <a:p>
+            <a:r>
+              <a:rPr lang="es-AR" dirty="0" smtClean="0"/>
+              <a:t>Programación 3D</a:t>
+            </a:r>
+            <a:endParaRPr lang="en-US" dirty="0"/>
+          </a:p>
+        </p:txBody>
+      </p:sp>
+      <p:sp>
+        <p:nvSpPr>
+          <p:cNvPr id="5" name="Text Placeholder 4"/>
+          <p:cNvSpPr>
+            <a:spLocks noGrp="1"/>
+          </p:cNvSpPr>
+          <p:nvPr>
+            <p:ph type="body" idx="1"/>
           </p:nvPr>
         </p:nvSpPr>
         <p:spPr/>
@@ -5964,8 +5832,19 @@
           <a:lstStyle/>
           <a:p>
             <a:r>
-              <a:rPr lang="es-AR" dirty="0" smtClean="0"/>
-              <a:t>Mapeo de Texturas</a:t>
+              <a:rPr lang="es-AR" dirty="0" err="1" smtClean="0"/>
+              <a:t>Texels</a:t>
+            </a:r>
+            <a:endParaRPr lang="es-AR" dirty="0" smtClean="0"/>
+          </a:p>
+          <a:p>
+            <a:r>
+              <a:rPr lang="es-AR" dirty="0" smtClean="0"/>
+              <a:t>Mapeo </a:t>
+            </a:r>
+            <a:r>
+              <a:rPr lang="es-AR" dirty="0" smtClean="0"/>
+              <a:t>de Texturas</a:t>
             </a:r>
           </a:p>
         </p:txBody>
@@ -6020,7 +5899,7 @@
         </p:blipFill>
         <p:spPr bwMode="auto">
           <a:xfrm>
-            <a:off x="571472" y="2643182"/>
+            <a:off x="1142976" y="3000372"/>
             <a:ext cx="3892889" cy="3571900"/>
           </a:xfrm>
           <a:prstGeom prst="rect">
@@ -6068,6 +5947,39 @@
           <a:chExt cx="0" cy="0"/>
         </a:xfrm>
       </p:grpSpPr>
+      <p:pic>
+        <p:nvPicPr>
+          <p:cNvPr id="1026" name="Picture 2"/>
+          <p:cNvPicPr>
+            <a:picLocks noChangeAspect="1" noChangeArrowheads="1"/>
+          </p:cNvPicPr>
+          <p:nvPr/>
+        </p:nvPicPr>
+        <p:blipFill>
+          <a:blip r:embed="rId2">
+            <a:lum bright="20000"/>
+          </a:blip>
+          <a:srcRect/>
+          <a:stretch>
+            <a:fillRect/>
+          </a:stretch>
+        </p:blipFill>
+        <p:spPr bwMode="auto">
+          <a:xfrm>
+            <a:off x="4572000" y="1571612"/>
+            <a:ext cx="4572000" cy="3429000"/>
+          </a:xfrm>
+          <a:prstGeom prst="rect">
+            <a:avLst/>
+          </a:prstGeom>
+          <a:ln>
+            <a:noFill/>
+          </a:ln>
+          <a:effectLst>
+            <a:softEdge rad="112500"/>
+          </a:effectLst>
+        </p:spPr>
+      </p:pic>
       <p:sp>
         <p:nvSpPr>
           <p:cNvPr id="2" name="Title 1"/>
@@ -6106,7 +6018,124 @@
           <a:bodyPr/>
           <a:lstStyle/>
           <a:p>
-            <a:endParaRPr lang="en-US"/>
+            <a:r>
+              <a:rPr lang="es-AR" dirty="0" smtClean="0"/>
+              <a:t>Material</a:t>
+            </a:r>
+          </a:p>
+          <a:p>
+            <a:pPr lvl="1"/>
+            <a:r>
+              <a:rPr lang="es-AR" dirty="0" err="1" smtClean="0"/>
+              <a:t>Shading</a:t>
+            </a:r>
+            <a:endParaRPr lang="es-AR" dirty="0" smtClean="0"/>
+          </a:p>
+          <a:p>
+            <a:pPr lvl="1"/>
+            <a:r>
+              <a:rPr lang="es-AR" dirty="0" smtClean="0"/>
+              <a:t>Componentes</a:t>
+            </a:r>
+          </a:p>
+          <a:p>
+            <a:pPr lvl="2"/>
+            <a:r>
+              <a:rPr lang="es-AR" dirty="0" smtClean="0"/>
+              <a:t>Color de Ambiente (</a:t>
+            </a:r>
+            <a:r>
+              <a:rPr lang="es-AR" dirty="0" err="1" smtClean="0"/>
+              <a:t>Ambient</a:t>
+            </a:r>
+            <a:r>
+              <a:rPr lang="es-AR" dirty="0" smtClean="0"/>
+              <a:t> color)</a:t>
+            </a:r>
+          </a:p>
+          <a:p>
+            <a:pPr lvl="2"/>
+            <a:r>
+              <a:rPr lang="es-AR" dirty="0" smtClean="0"/>
+              <a:t>Color de difusión (</a:t>
+            </a:r>
+            <a:r>
+              <a:rPr lang="es-AR" dirty="0" err="1" smtClean="0"/>
+              <a:t>Diffuse</a:t>
+            </a:r>
+            <a:r>
+              <a:rPr lang="es-AR" dirty="0" smtClean="0"/>
+              <a:t> color)</a:t>
+            </a:r>
+          </a:p>
+          <a:p>
+            <a:pPr lvl="2"/>
+            <a:r>
+              <a:rPr lang="es-AR" dirty="0" smtClean="0"/>
+              <a:t>Color de emisión (</a:t>
+            </a:r>
+            <a:r>
+              <a:rPr lang="es-AR" dirty="0" err="1" smtClean="0"/>
+              <a:t>Emissive</a:t>
+            </a:r>
+            <a:r>
+              <a:rPr lang="es-AR" dirty="0" smtClean="0"/>
+              <a:t> color)</a:t>
+            </a:r>
+          </a:p>
+          <a:p>
+            <a:pPr lvl="2"/>
+            <a:r>
+              <a:rPr lang="es-AR" dirty="0" smtClean="0"/>
+              <a:t>Color especular (</a:t>
+            </a:r>
+            <a:r>
+              <a:rPr lang="es-AR" dirty="0" err="1" smtClean="0"/>
+              <a:t>Specular</a:t>
+            </a:r>
+            <a:r>
+              <a:rPr lang="es-AR" dirty="0" smtClean="0"/>
+              <a:t> color)</a:t>
+            </a:r>
+          </a:p>
+          <a:p>
+            <a:pPr lvl="2"/>
+            <a:r>
+              <a:rPr lang="es-AR" dirty="0" err="1" smtClean="0"/>
+              <a:t>Brillosidad</a:t>
+            </a:r>
+            <a:r>
+              <a:rPr lang="es-AR" dirty="0" smtClean="0"/>
+              <a:t> (</a:t>
+            </a:r>
+            <a:r>
+              <a:rPr lang="es-AR" dirty="0" err="1" smtClean="0"/>
+              <a:t>Shininess</a:t>
+            </a:r>
+            <a:r>
+              <a:rPr lang="es-AR" dirty="0" smtClean="0"/>
+              <a:t>)</a:t>
+            </a:r>
+          </a:p>
+          <a:p>
+            <a:pPr lvl="1"/>
+            <a:endParaRPr lang="es-AR" dirty="0" smtClean="0"/>
+          </a:p>
+          <a:p>
+            <a:pPr lvl="1"/>
+            <a:endParaRPr lang="es-AR" dirty="0" smtClean="0"/>
+          </a:p>
+          <a:p>
+            <a:pPr>
+              <a:buNone/>
+            </a:pPr>
+            <a:endParaRPr lang="es-AR" dirty="0" smtClean="0"/>
+          </a:p>
+          <a:p>
+            <a:pPr lvl="2">
+              <a:buNone/>
+            </a:pPr>
+            <a:endParaRPr lang="en-US" dirty="0"/>
           </a:p>
         </p:txBody>
       </p:sp>
@@ -6115,6 +6144,13 @@
   <p:clrMapOvr>
     <a:masterClrMapping/>
   </p:clrMapOvr>
+  <p:timing>
+    <p:tnLst>
+      <p:par>
+        <p:cTn id="1" dur="indefinite" restart="never" nodeType="tmRoot"/>
+      </p:par>
+    </p:tnLst>
+  </p:timing>
 </p:sld>
 </file>
 
@@ -6251,6 +6287,437 @@
               <a:buNone/>
             </a:pPr>
             <a:endParaRPr lang="es-AR" dirty="0" smtClean="0"/>
+          </a:p>
+        </p:txBody>
+      </p:sp>
+    </p:spTree>
+  </p:cSld>
+  <p:clrMapOvr>
+    <a:masterClrMapping/>
+  </p:clrMapOvr>
+  <p:timing>
+    <p:tnLst>
+      <p:par>
+        <p:cTn id="1" dur="indefinite" restart="never" nodeType="tmRoot"/>
+      </p:par>
+    </p:tnLst>
+  </p:timing>
+</p:sld>
+</file>
+
+<file path=ppt/slides/slide20.xml><?xml version="1.0" encoding="utf-8"?>
+<p:sld xmlns:a="http://schemas.openxmlformats.org/drawingml/2006/main" xmlns:r="http://schemas.openxmlformats.org/officeDocument/2006/relationships" xmlns:p="http://schemas.openxmlformats.org/presentationml/2006/main">
+  <p:cSld>
+    <p:spTree>
+      <p:nvGrpSpPr>
+        <p:cNvPr id="1" name=""/>
+        <p:cNvGrpSpPr/>
+        <p:nvPr/>
+      </p:nvGrpSpPr>
+      <p:grpSpPr>
+        <a:xfrm>
+          <a:off x="0" y="0"/>
+          <a:ext cx="0" cy="0"/>
+          <a:chOff x="0" y="0"/>
+          <a:chExt cx="0" cy="0"/>
+        </a:xfrm>
+      </p:grpSpPr>
+      <p:sp>
+        <p:nvSpPr>
+          <p:cNvPr id="2" name="Title 1"/>
+          <p:cNvSpPr>
+            <a:spLocks noGrp="1"/>
+          </p:cNvSpPr>
+          <p:nvPr>
+            <p:ph type="title"/>
+          </p:nvPr>
+        </p:nvSpPr>
+        <p:spPr/>
+        <p:txBody>
+          <a:bodyPr/>
+          <a:lstStyle/>
+          <a:p>
+            <a:r>
+              <a:rPr lang="es-AR" dirty="0" err="1" smtClean="0"/>
+              <a:t>Skyboxes</a:t>
+            </a:r>
+            <a:endParaRPr lang="en-US" dirty="0"/>
+          </a:p>
+        </p:txBody>
+      </p:sp>
+      <p:sp>
+        <p:nvSpPr>
+          <p:cNvPr id="3" name="Content Placeholder 2"/>
+          <p:cNvSpPr>
+            <a:spLocks noGrp="1"/>
+          </p:cNvSpPr>
+          <p:nvPr>
+            <p:ph idx="1"/>
+          </p:nvPr>
+        </p:nvSpPr>
+        <p:spPr/>
+        <p:txBody>
+          <a:bodyPr/>
+          <a:lstStyle/>
+          <a:p>
+            <a:endParaRPr lang="en-US" dirty="0"/>
+          </a:p>
+        </p:txBody>
+      </p:sp>
+      <p:pic>
+        <p:nvPicPr>
+          <p:cNvPr id="2051" name="Picture 3"/>
+          <p:cNvPicPr>
+            <a:picLocks noChangeAspect="1" noChangeArrowheads="1"/>
+          </p:cNvPicPr>
+          <p:nvPr/>
+        </p:nvPicPr>
+        <p:blipFill>
+          <a:blip r:embed="rId2"/>
+          <a:srcRect/>
+          <a:stretch>
+            <a:fillRect/>
+          </a:stretch>
+        </p:blipFill>
+        <p:spPr bwMode="auto">
+          <a:xfrm>
+            <a:off x="714348" y="1785926"/>
+            <a:ext cx="4133850" cy="3019425"/>
+          </a:xfrm>
+          <a:prstGeom prst="rect">
+            <a:avLst/>
+          </a:prstGeom>
+          <a:noFill/>
+          <a:ln w="9525">
+            <a:noFill/>
+            <a:miter lim="800000"/>
+            <a:headEnd/>
+            <a:tailEnd/>
+          </a:ln>
+          <a:effectLst/>
+        </p:spPr>
+      </p:pic>
+      <p:pic>
+        <p:nvPicPr>
+          <p:cNvPr id="2052" name="Picture 4"/>
+          <p:cNvPicPr>
+            <a:picLocks noChangeAspect="1" noChangeArrowheads="1"/>
+          </p:cNvPicPr>
+          <p:nvPr/>
+        </p:nvPicPr>
+        <p:blipFill>
+          <a:blip r:embed="rId3"/>
+          <a:srcRect/>
+          <a:stretch>
+            <a:fillRect/>
+          </a:stretch>
+        </p:blipFill>
+        <p:spPr bwMode="auto">
+          <a:xfrm>
+            <a:off x="4357686" y="3786190"/>
+            <a:ext cx="4114800" cy="2781300"/>
+          </a:xfrm>
+          <a:prstGeom prst="rect">
+            <a:avLst/>
+          </a:prstGeom>
+          <a:noFill/>
+          <a:ln w="9525">
+            <a:noFill/>
+            <a:miter lim="800000"/>
+            <a:headEnd/>
+            <a:tailEnd/>
+          </a:ln>
+          <a:effectLst/>
+        </p:spPr>
+      </p:pic>
+      <p:sp>
+        <p:nvSpPr>
+          <p:cNvPr id="7" name="Bent Arrow 6"/>
+          <p:cNvSpPr/>
+          <p:nvPr/>
+        </p:nvSpPr>
+        <p:spPr>
+          <a:xfrm rot="10800000" flipH="1">
+            <a:off x="2643174" y="5000636"/>
+            <a:ext cx="1643074" cy="857256"/>
+          </a:xfrm>
+          <a:prstGeom prst="bentArrow">
+            <a:avLst>
+              <a:gd name="adj1" fmla="val 25000"/>
+              <a:gd name="adj2" fmla="val 25000"/>
+              <a:gd name="adj3" fmla="val 25000"/>
+              <a:gd name="adj4" fmla="val 87500"/>
+            </a:avLst>
+          </a:prstGeom>
+        </p:spPr>
+        <p:style>
+          <a:lnRef idx="2">
+            <a:schemeClr val="accent1">
+              <a:shade val="50000"/>
+            </a:schemeClr>
+          </a:lnRef>
+          <a:fillRef idx="1">
+            <a:schemeClr val="accent1"/>
+          </a:fillRef>
+          <a:effectRef idx="0">
+            <a:schemeClr val="accent1"/>
+          </a:effectRef>
+          <a:fontRef idx="minor">
+            <a:schemeClr val="lt1"/>
+          </a:fontRef>
+        </p:style>
+        <p:txBody>
+          <a:bodyPr rtlCol="0" anchor="ctr"/>
+          <a:lstStyle/>
+          <a:p>
+            <a:pPr algn="ctr"/>
+            <a:endParaRPr lang="en-US">
+              <a:solidFill>
+                <a:schemeClr val="tx1"/>
+              </a:solidFill>
+            </a:endParaRPr>
+          </a:p>
+        </p:txBody>
+      </p:sp>
+    </p:spTree>
+  </p:cSld>
+  <p:clrMapOvr>
+    <a:masterClrMapping/>
+  </p:clrMapOvr>
+  <p:timing>
+    <p:tnLst>
+      <p:par>
+        <p:cTn id="1" dur="indefinite" restart="never" nodeType="tmRoot"/>
+      </p:par>
+    </p:tnLst>
+  </p:timing>
+</p:sld>
+</file>
+
+<file path=ppt/slides/slide21.xml><?xml version="1.0" encoding="utf-8"?>
+<p:sld xmlns:a="http://schemas.openxmlformats.org/drawingml/2006/main" xmlns:r="http://schemas.openxmlformats.org/officeDocument/2006/relationships" xmlns:p="http://schemas.openxmlformats.org/presentationml/2006/main">
+  <p:cSld>
+    <p:spTree>
+      <p:nvGrpSpPr>
+        <p:cNvPr id="1" name=""/>
+        <p:cNvGrpSpPr/>
+        <p:nvPr/>
+      </p:nvGrpSpPr>
+      <p:grpSpPr>
+        <a:xfrm>
+          <a:off x="0" y="0"/>
+          <a:ext cx="0" cy="0"/>
+          <a:chOff x="0" y="0"/>
+          <a:chExt cx="0" cy="0"/>
+        </a:xfrm>
+      </p:grpSpPr>
+      <p:sp>
+        <p:nvSpPr>
+          <p:cNvPr id="2" name="Title 1"/>
+          <p:cNvSpPr>
+            <a:spLocks noGrp="1"/>
+          </p:cNvSpPr>
+          <p:nvPr>
+            <p:ph type="title"/>
+          </p:nvPr>
+        </p:nvSpPr>
+        <p:spPr/>
+        <p:txBody>
+          <a:bodyPr/>
+          <a:lstStyle/>
+          <a:p>
+            <a:r>
+              <a:rPr lang="es-AR" dirty="0" smtClean="0"/>
+              <a:t>Librerías Gráficas</a:t>
+            </a:r>
+            <a:endParaRPr lang="en-US" dirty="0"/>
+          </a:p>
+        </p:txBody>
+      </p:sp>
+      <p:sp>
+        <p:nvSpPr>
+          <p:cNvPr id="3" name="Content Placeholder 2"/>
+          <p:cNvSpPr>
+            <a:spLocks noGrp="1"/>
+          </p:cNvSpPr>
+          <p:nvPr>
+            <p:ph idx="1"/>
+          </p:nvPr>
+        </p:nvSpPr>
+        <p:spPr/>
+        <p:txBody>
+          <a:bodyPr/>
+          <a:lstStyle/>
+          <a:p>
+            <a:endParaRPr lang="en-US" dirty="0"/>
+          </a:p>
+        </p:txBody>
+      </p:sp>
+      <p:pic>
+        <p:nvPicPr>
+          <p:cNvPr id="3074" name="Picture 2"/>
+          <p:cNvPicPr>
+            <a:picLocks noChangeAspect="1" noChangeArrowheads="1"/>
+          </p:cNvPicPr>
+          <p:nvPr/>
+        </p:nvPicPr>
+        <p:blipFill>
+          <a:blip r:embed="rId2"/>
+          <a:srcRect/>
+          <a:stretch>
+            <a:fillRect/>
+          </a:stretch>
+        </p:blipFill>
+        <p:spPr bwMode="auto">
+          <a:xfrm>
+            <a:off x="714347" y="2214554"/>
+            <a:ext cx="3564535" cy="1571636"/>
+          </a:xfrm>
+          <a:prstGeom prst="rect">
+            <a:avLst/>
+          </a:prstGeom>
+          <a:noFill/>
+          <a:ln w="9525">
+            <a:noFill/>
+            <a:miter lim="800000"/>
+            <a:headEnd/>
+            <a:tailEnd/>
+          </a:ln>
+          <a:effectLst/>
+        </p:spPr>
+      </p:pic>
+      <p:pic>
+        <p:nvPicPr>
+          <p:cNvPr id="3075" name="Picture 3"/>
+          <p:cNvPicPr>
+            <a:picLocks noChangeAspect="1" noChangeArrowheads="1"/>
+          </p:cNvPicPr>
+          <p:nvPr/>
+        </p:nvPicPr>
+        <p:blipFill>
+          <a:blip r:embed="rId3"/>
+          <a:srcRect/>
+          <a:stretch>
+            <a:fillRect/>
+          </a:stretch>
+        </p:blipFill>
+        <p:spPr bwMode="auto">
+          <a:xfrm>
+            <a:off x="5143504" y="3500438"/>
+            <a:ext cx="2952771" cy="2214578"/>
+          </a:xfrm>
+          <a:prstGeom prst="roundRect">
+            <a:avLst>
+              <a:gd name="adj" fmla="val 8594"/>
+            </a:avLst>
+          </a:prstGeom>
+          <a:solidFill>
+            <a:srgbClr val="FFFFFF">
+              <a:shade val="85000"/>
+            </a:srgbClr>
+          </a:solidFill>
+          <a:ln>
+            <a:noFill/>
+          </a:ln>
+          <a:effectLst>
+            <a:reflection blurRad="12700" stA="38000" endPos="28000" dist="5000" dir="5400000" sy="-100000" algn="bl" rotWithShape="0"/>
+          </a:effectLst>
+        </p:spPr>
+      </p:pic>
+      <p:sp>
+        <p:nvSpPr>
+          <p:cNvPr id="6" name="Rectangle 5"/>
+          <p:cNvSpPr/>
+          <p:nvPr/>
+        </p:nvSpPr>
+        <p:spPr>
+          <a:xfrm>
+            <a:off x="3500430" y="3714752"/>
+            <a:ext cx="1381829" cy="1015663"/>
+          </a:xfrm>
+          <a:prstGeom prst="rect">
+            <a:avLst/>
+          </a:prstGeom>
+          <a:noFill/>
+        </p:spPr>
+        <p:txBody>
+          <a:bodyPr wrap="square" lIns="91440" tIns="45720" rIns="91440" bIns="45720">
+            <a:spAutoFit/>
+          </a:bodyPr>
+          <a:lstStyle/>
+          <a:p>
+            <a:pPr algn="ctr"/>
+            <a:r>
+              <a:rPr lang="en-US" sz="6000" b="1" cap="none" spc="0" dirty="0" smtClean="0">
+                <a:ln w="1905"/>
+                <a:gradFill>
+                  <a:gsLst>
+                    <a:gs pos="0">
+                      <a:schemeClr val="accent6">
+                        <a:shade val="20000"/>
+                        <a:satMod val="200000"/>
+                      </a:schemeClr>
+                    </a:gs>
+                    <a:gs pos="78000">
+                      <a:schemeClr val="accent6">
+                        <a:tint val="90000"/>
+                        <a:shade val="89000"/>
+                        <a:satMod val="220000"/>
+                      </a:schemeClr>
+                    </a:gs>
+                    <a:gs pos="100000">
+                      <a:schemeClr val="accent6">
+                        <a:tint val="12000"/>
+                        <a:satMod val="255000"/>
+                      </a:schemeClr>
+                    </a:gs>
+                  </a:gsLst>
+                  <a:lin ang="5400000"/>
+                </a:gradFill>
+                <a:effectLst>
+                  <a:innerShdw blurRad="69850" dist="43180" dir="5400000">
+                    <a:srgbClr val="000000">
+                      <a:alpha val="65000"/>
+                    </a:srgbClr>
+                  </a:innerShdw>
+                </a:effectLst>
+              </a:rPr>
+              <a:t>VS</a:t>
+            </a:r>
+            <a:endParaRPr lang="en-US" sz="6000" b="1" cap="none" spc="0" dirty="0">
+              <a:ln w="1905"/>
+              <a:gradFill>
+                <a:gsLst>
+                  <a:gs pos="0">
+                    <a:schemeClr val="accent6">
+                      <a:shade val="20000"/>
+                      <a:satMod val="200000"/>
+                    </a:schemeClr>
+                  </a:gs>
+                  <a:gs pos="78000">
+                    <a:schemeClr val="accent6">
+                      <a:tint val="90000"/>
+                      <a:shade val="89000"/>
+                      <a:satMod val="220000"/>
+                    </a:schemeClr>
+                  </a:gs>
+                  <a:gs pos="100000">
+                    <a:schemeClr val="accent6">
+                      <a:tint val="12000"/>
+                      <a:satMod val="255000"/>
+                    </a:schemeClr>
+                  </a:gs>
+                </a:gsLst>
+                <a:lin ang="5400000"/>
+              </a:gradFill>
+              <a:effectLst>
+                <a:innerShdw blurRad="69850" dist="43180" dir="5400000">
+                  <a:srgbClr val="000000">
+                    <a:alpha val="65000"/>
+                  </a:srgbClr>
+                </a:innerShdw>
+              </a:effectLst>
+            </a:endParaRPr>
           </a:p>
         </p:txBody>
       </p:sp>

--- a/teoria/j3dEngine_chapter2.pptx
+++ b/teoria/j3dEngine_chapter2.pptx
@@ -213,7 +213,7 @@
             <a:fld id="{016812C2-A8AF-4744-8062-0CC3280E3ED1}" type="datetimeFigureOut">
               <a:rPr lang="en-US" smtClean="0"/>
               <a:pPr/>
-              <a:t>3/28/2007</a:t>
+              <a:t>3/29/2007</a:t>
             </a:fld>
             <a:endParaRPr lang="en-US"/>
           </a:p>
@@ -728,7 +728,7 @@
             <a:fld id="{3047E67A-D6CF-401E-8E00-3E8CFFC70C48}" type="datetimeFigureOut">
               <a:rPr lang="en-US" smtClean="0"/>
               <a:pPr/>
-              <a:t>3/28/2007</a:t>
+              <a:t>3/29/2007</a:t>
             </a:fld>
             <a:endParaRPr lang="en-US"/>
           </a:p>
@@ -953,7 +953,7 @@
             <a:fld id="{3047E67A-D6CF-401E-8E00-3E8CFFC70C48}" type="datetimeFigureOut">
               <a:rPr lang="en-US" smtClean="0"/>
               <a:pPr/>
-              <a:t>3/28/2007</a:t>
+              <a:t>3/29/2007</a:t>
             </a:fld>
             <a:endParaRPr lang="en-US"/>
           </a:p>
@@ -1235,7 +1235,7 @@
             <a:fld id="{3047E67A-D6CF-401E-8E00-3E8CFFC70C48}" type="datetimeFigureOut">
               <a:rPr lang="en-US" smtClean="0"/>
               <a:pPr/>
-              <a:t>3/28/2007</a:t>
+              <a:t>3/29/2007</a:t>
             </a:fld>
             <a:endParaRPr lang="en-US"/>
           </a:p>
@@ -1416,7 +1416,7 @@
             <a:fld id="{3047E67A-D6CF-401E-8E00-3E8CFFC70C48}" type="datetimeFigureOut">
               <a:rPr lang="en-US" smtClean="0"/>
               <a:pPr/>
-              <a:t>3/28/2007</a:t>
+              <a:t>3/29/2007</a:t>
             </a:fld>
             <a:endParaRPr lang="en-US"/>
           </a:p>
@@ -1776,7 +1776,7 @@
             <a:fld id="{3047E67A-D6CF-401E-8E00-3E8CFFC70C48}" type="datetimeFigureOut">
               <a:rPr lang="en-US" smtClean="0"/>
               <a:pPr/>
-              <a:t>3/28/2007</a:t>
+              <a:t>3/29/2007</a:t>
             </a:fld>
             <a:endParaRPr lang="en-US"/>
           </a:p>
@@ -2065,7 +2065,7 @@
             <a:fld id="{3047E67A-D6CF-401E-8E00-3E8CFFC70C48}" type="datetimeFigureOut">
               <a:rPr lang="en-US" smtClean="0"/>
               <a:pPr/>
-              <a:t>3/28/2007</a:t>
+              <a:t>3/29/2007</a:t>
             </a:fld>
             <a:endParaRPr lang="en-US"/>
           </a:p>
@@ -2489,7 +2489,7 @@
             <a:fld id="{3047E67A-D6CF-401E-8E00-3E8CFFC70C48}" type="datetimeFigureOut">
               <a:rPr lang="en-US" smtClean="0"/>
               <a:pPr/>
-              <a:t>3/28/2007</a:t>
+              <a:t>3/29/2007</a:t>
             </a:fld>
             <a:endParaRPr lang="en-US"/>
           </a:p>
@@ -2606,7 +2606,7 @@
             <a:fld id="{3047E67A-D6CF-401E-8E00-3E8CFFC70C48}" type="datetimeFigureOut">
               <a:rPr lang="en-US" smtClean="0"/>
               <a:pPr/>
-              <a:t>3/28/2007</a:t>
+              <a:t>3/29/2007</a:t>
             </a:fld>
             <a:endParaRPr lang="en-US"/>
           </a:p>
@@ -2698,7 +2698,7 @@
             <a:fld id="{3047E67A-D6CF-401E-8E00-3E8CFFC70C48}" type="datetimeFigureOut">
               <a:rPr lang="en-US" smtClean="0"/>
               <a:pPr/>
-              <a:t>3/28/2007</a:t>
+              <a:t>3/29/2007</a:t>
             </a:fld>
             <a:endParaRPr lang="en-US"/>
           </a:p>
@@ -2978,7 +2978,7 @@
             <a:fld id="{3047E67A-D6CF-401E-8E00-3E8CFFC70C48}" type="datetimeFigureOut">
               <a:rPr lang="en-US" smtClean="0"/>
               <a:pPr/>
-              <a:t>3/28/2007</a:t>
+              <a:t>3/29/2007</a:t>
             </a:fld>
             <a:endParaRPr lang="en-US"/>
           </a:p>
@@ -3346,7 +3346,7 @@
             <a:fld id="{3047E67A-D6CF-401E-8E00-3E8CFFC70C48}" type="datetimeFigureOut">
               <a:rPr lang="en-US" smtClean="0"/>
               <a:pPr/>
-              <a:t>3/28/2007</a:t>
+              <a:t>3/29/2007</a:t>
             </a:fld>
             <a:endParaRPr lang="en-US"/>
           </a:p>
@@ -3785,7 +3785,7 @@
             <a:fld id="{3047E67A-D6CF-401E-8E00-3E8CFFC70C48}" type="datetimeFigureOut">
               <a:rPr lang="en-US" smtClean="0"/>
               <a:pPr/>
-              <a:t>3/28/2007</a:t>
+              <a:t>3/29/2007</a:t>
             </a:fld>
             <a:endParaRPr lang="en-US"/>
           </a:p>
@@ -5840,11 +5840,7 @@
           <a:p>
             <a:r>
               <a:rPr lang="es-AR" dirty="0" smtClean="0"/>
-              <a:t>Mapeo </a:t>
-            </a:r>
-            <a:r>
-              <a:rPr lang="es-AR" dirty="0" smtClean="0"/>
-              <a:t>de Texturas</a:t>
+              <a:t>Mapeo de Texturas</a:t>
             </a:r>
           </a:p>
         </p:txBody>
